--- a/Documents/Semester 1 Presentation.pptx
+++ b/Documents/Semester 1 Presentation.pptx
@@ -618,7 +618,7 @@
           <a:p>
             <a:fld id="{2E3F47AE-4804-4655-8D11-C2BEE1A314EC}" type="datetimeFigureOut">
               <a:rPr lang="en-GB" smtClean="0"/>
-              <a:t>03/12/2020</a:t>
+              <a:t>12/11/2021</a:t>
             </a:fld>
             <a:endParaRPr lang="en-GB"/>
           </a:p>
@@ -914,7 +914,7 @@
           <a:p>
             <a:fld id="{2E3F47AE-4804-4655-8D11-C2BEE1A314EC}" type="datetimeFigureOut">
               <a:rPr lang="en-GB" smtClean="0"/>
-              <a:t>03/12/2020</a:t>
+              <a:t>12/11/2021</a:t>
             </a:fld>
             <a:endParaRPr lang="en-GB"/>
           </a:p>
@@ -1162,7 +1162,7 @@
           <a:p>
             <a:fld id="{2E3F47AE-4804-4655-8D11-C2BEE1A314EC}" type="datetimeFigureOut">
               <a:rPr lang="en-GB" smtClean="0"/>
-              <a:t>03/12/2020</a:t>
+              <a:t>12/11/2021</a:t>
             </a:fld>
             <a:endParaRPr lang="en-GB"/>
           </a:p>
@@ -1702,7 +1702,7 @@
           <a:p>
             <a:fld id="{2E3F47AE-4804-4655-8D11-C2BEE1A314EC}" type="datetimeFigureOut">
               <a:rPr lang="en-GB" smtClean="0"/>
-              <a:t>03/12/2020</a:t>
+              <a:t>12/11/2021</a:t>
             </a:fld>
             <a:endParaRPr lang="en-GB"/>
           </a:p>
@@ -1950,7 +1950,7 @@
           <a:p>
             <a:fld id="{2E3F47AE-4804-4655-8D11-C2BEE1A314EC}" type="datetimeFigureOut">
               <a:rPr lang="en-GB" smtClean="0"/>
-              <a:t>03/12/2020</a:t>
+              <a:t>12/11/2021</a:t>
             </a:fld>
             <a:endParaRPr lang="en-GB"/>
           </a:p>
@@ -2482,7 +2482,7 @@
           <a:p>
             <a:fld id="{2E3F47AE-4804-4655-8D11-C2BEE1A314EC}" type="datetimeFigureOut">
               <a:rPr lang="en-GB" smtClean="0"/>
-              <a:t>03/12/2020</a:t>
+              <a:t>12/11/2021</a:t>
             </a:fld>
             <a:endParaRPr lang="en-GB"/>
           </a:p>
@@ -2779,7 +2779,7 @@
           <a:p>
             <a:fld id="{2E3F47AE-4804-4655-8D11-C2BEE1A314EC}" type="datetimeFigureOut">
               <a:rPr lang="en-GB" smtClean="0"/>
-              <a:t>03/12/2020</a:t>
+              <a:t>12/11/2021</a:t>
             </a:fld>
             <a:endParaRPr lang="en-GB"/>
           </a:p>
@@ -2953,7 +2953,7 @@
           <a:p>
             <a:fld id="{2E3F47AE-4804-4655-8D11-C2BEE1A314EC}" type="datetimeFigureOut">
               <a:rPr lang="en-GB" smtClean="0"/>
-              <a:t>03/12/2020</a:t>
+              <a:t>12/11/2021</a:t>
             </a:fld>
             <a:endParaRPr lang="en-GB"/>
           </a:p>
@@ -3133,7 +3133,7 @@
           <a:p>
             <a:fld id="{2E3F47AE-4804-4655-8D11-C2BEE1A314EC}" type="datetimeFigureOut">
               <a:rPr lang="en-GB" smtClean="0"/>
-              <a:t>03/12/2020</a:t>
+              <a:t>12/11/2021</a:t>
             </a:fld>
             <a:endParaRPr lang="en-GB"/>
           </a:p>
@@ -3303,7 +3303,7 @@
           <a:p>
             <a:fld id="{2E3F47AE-4804-4655-8D11-C2BEE1A314EC}" type="datetimeFigureOut">
               <a:rPr lang="en-GB" smtClean="0"/>
-              <a:t>03/12/2020</a:t>
+              <a:t>12/11/2021</a:t>
             </a:fld>
             <a:endParaRPr lang="en-GB"/>
           </a:p>
@@ -3554,7 +3554,7 @@
           <a:p>
             <a:fld id="{2E3F47AE-4804-4655-8D11-C2BEE1A314EC}" type="datetimeFigureOut">
               <a:rPr lang="en-GB" smtClean="0"/>
-              <a:t>03/12/2020</a:t>
+              <a:t>12/11/2021</a:t>
             </a:fld>
             <a:endParaRPr lang="en-GB"/>
           </a:p>
@@ -3851,7 +3851,7 @@
           <a:p>
             <a:fld id="{2E3F47AE-4804-4655-8D11-C2BEE1A314EC}" type="datetimeFigureOut">
               <a:rPr lang="en-GB" smtClean="0"/>
-              <a:t>03/12/2020</a:t>
+              <a:t>12/11/2021</a:t>
             </a:fld>
             <a:endParaRPr lang="en-GB"/>
           </a:p>
@@ -4293,7 +4293,7 @@
           <a:p>
             <a:fld id="{2E3F47AE-4804-4655-8D11-C2BEE1A314EC}" type="datetimeFigureOut">
               <a:rPr lang="en-GB" smtClean="0"/>
-              <a:t>03/12/2020</a:t>
+              <a:t>12/11/2021</a:t>
             </a:fld>
             <a:endParaRPr lang="en-GB"/>
           </a:p>
@@ -4411,7 +4411,7 @@
           <a:p>
             <a:fld id="{2E3F47AE-4804-4655-8D11-C2BEE1A314EC}" type="datetimeFigureOut">
               <a:rPr lang="en-GB" smtClean="0"/>
-              <a:t>03/12/2020</a:t>
+              <a:t>12/11/2021</a:t>
             </a:fld>
             <a:endParaRPr lang="en-GB"/>
           </a:p>
@@ -4506,7 +4506,7 @@
           <a:p>
             <a:fld id="{2E3F47AE-4804-4655-8D11-C2BEE1A314EC}" type="datetimeFigureOut">
               <a:rPr lang="en-GB" smtClean="0"/>
-              <a:t>03/12/2020</a:t>
+              <a:t>12/11/2021</a:t>
             </a:fld>
             <a:endParaRPr lang="en-GB"/>
           </a:p>
@@ -4789,7 +4789,7 @@
           <a:p>
             <a:fld id="{2E3F47AE-4804-4655-8D11-C2BEE1A314EC}" type="datetimeFigureOut">
               <a:rPr lang="en-GB" smtClean="0"/>
-              <a:t>03/12/2020</a:t>
+              <a:t>12/11/2021</a:t>
             </a:fld>
             <a:endParaRPr lang="en-GB"/>
           </a:p>
@@ -5080,7 +5080,7 @@
           <a:p>
             <a:fld id="{2E3F47AE-4804-4655-8D11-C2BEE1A314EC}" type="datetimeFigureOut">
               <a:rPr lang="en-GB" smtClean="0"/>
-              <a:t>03/12/2020</a:t>
+              <a:t>12/11/2021</a:t>
             </a:fld>
             <a:endParaRPr lang="en-GB"/>
           </a:p>
@@ -5610,7 +5610,7 @@
           <a:p>
             <a:fld id="{2E3F47AE-4804-4655-8D11-C2BEE1A314EC}" type="datetimeFigureOut">
               <a:rPr lang="en-GB" smtClean="0"/>
-              <a:t>03/12/2020</a:t>
+              <a:t>12/11/2021</a:t>
             </a:fld>
             <a:endParaRPr lang="en-GB"/>
           </a:p>
@@ -6167,7 +6167,7 @@
                   <a:srgbClr val="C00000"/>
                 </a:solidFill>
               </a:rPr>
-              <a:t>&lt;Project Name&gt;</a:t>
+              <a:t>Timetable Mobile Application</a:t>
             </a:r>
           </a:p>
         </p:txBody>
@@ -6196,13 +6196,13 @@
           <a:p>
             <a:r>
               <a:rPr lang="en-GB" dirty="0"/>
-              <a:t>&lt;Student Name&gt;</a:t>
+              <a:t>Oskar Ciebien</a:t>
             </a:r>
           </a:p>
           <a:p>
             <a:r>
               <a:rPr lang="en-GB" dirty="0"/>
-              <a:t>&lt;Student Name&gt;</a:t>
+              <a:t>G00369579</a:t>
             </a:r>
           </a:p>
           <a:p>
@@ -6489,15 +6489,11 @@
           <a:p>
             <a:r>
               <a:rPr lang="en-GB" dirty="0"/>
-              <a:t>&lt;</a:t>
-            </a:r>
-            <a:r>
-              <a:rPr lang="en-GB" dirty="0" err="1"/>
-              <a:t>Dr.</a:t>
-            </a:r>
-            <a:r>
-              <a:rPr lang="en-GB" dirty="0"/>
-              <a:t>&gt;&lt;Supervisor Name&gt;</a:t>
+              <a:t>Mr. </a:t>
+            </a:r>
+            <a:r>
+              <a:rPr lang="en-GB"/>
+              <a:t>Martin Hynes</a:t>
             </a:r>
           </a:p>
           <a:p>

--- a/Documents/Semester 1 Presentation.pptx
+++ b/Documents/Semester 1 Presentation.pptx
@@ -6489,11 +6489,7 @@
           <a:p>
             <a:r>
               <a:rPr lang="en-GB" dirty="0"/>
-              <a:t>Mr. </a:t>
-            </a:r>
-            <a:r>
-              <a:rPr lang="en-GB"/>
-              <a:t>Martin Hynes</a:t>
+              <a:t>Mr. Martin Hynes</a:t>
             </a:r>
           </a:p>
           <a:p>
@@ -6582,14 +6578,14 @@
         </p:spPr>
         <p:txBody>
           <a:bodyPr>
-            <a:normAutofit lnSpcReduction="10000"/>
+            <a:normAutofit/>
           </a:bodyPr>
           <a:lstStyle/>
           <a:p>
             <a:pPr algn="l"/>
             <a:r>
               <a:rPr lang="en-US" dirty="0"/>
-              <a:t>Describe the context of the problem domain here. One or two sentences should be enough to explain what you are doing and why you are doing it.</a:t>
+              <a:t>Developing a timetable Mobile Application. With additional security features.</a:t>
             </a:r>
           </a:p>
           <a:p>
@@ -6599,7 +6595,7 @@
             </a:pPr>
             <a:r>
               <a:rPr lang="en-US" dirty="0"/>
-              <a:t>Explain why the problem domain is of interest.</a:t>
+              <a:t>I wanted to develop a Mobile Application and upload it to the Google Store and maybe Apple App Store.</a:t>
             </a:r>
           </a:p>
           <a:p>
@@ -6609,7 +6605,7 @@
             </a:pPr>
             <a:r>
               <a:rPr lang="en-US" dirty="0"/>
-              <a:t>Write out the key objectives of the project as bullet points.</a:t>
+              <a:t>Security features such as PIN.</a:t>
             </a:r>
           </a:p>
           <a:p>
@@ -6619,7 +6615,7 @@
             </a:pPr>
             <a:r>
               <a:rPr lang="en-US" dirty="0"/>
-              <a:t>Each objective should be clear, realizable and measurable / testable, i.e. the success of your project is determined by the degree to which these are realized.</a:t>
+              <a:t>Develop an easy-to-use application.</a:t>
             </a:r>
           </a:p>
           <a:p>
@@ -6627,15 +6623,15 @@
               <a:buFont typeface="Arial" panose="020B0604020202020204" pitchFamily="34" charset="0"/>
               <a:buChar char="•"/>
             </a:pPr>
+            <a:r>
+              <a:rPr lang="en-US" dirty="0"/>
+              <a:t>Great design of the </a:t>
+            </a:r>
+            <a:r>
+              <a:rPr lang="en-US"/>
+              <a:t>application.</a:t>
+            </a:r>
             <a:endParaRPr lang="en-US" dirty="0"/>
-          </a:p>
-          <a:p>
-            <a:pPr algn="l"/>
-            <a:endParaRPr lang="en-US" dirty="0"/>
-          </a:p>
-          <a:p>
-            <a:pPr algn="l"/>
-            <a:endParaRPr lang="en-GB" dirty="0"/>
           </a:p>
         </p:txBody>
       </p:sp>

--- a/Documents/Semester 1 Presentation.pptx
+++ b/Documents/Semester 1 Presentation.pptx
@@ -618,7 +618,7 @@
           <a:p>
             <a:fld id="{2E3F47AE-4804-4655-8D11-C2BEE1A314EC}" type="datetimeFigureOut">
               <a:rPr lang="en-GB" smtClean="0"/>
-              <a:t>12/11/2021</a:t>
+              <a:t>30/11/2021</a:t>
             </a:fld>
             <a:endParaRPr lang="en-GB"/>
           </a:p>
@@ -914,7 +914,7 @@
           <a:p>
             <a:fld id="{2E3F47AE-4804-4655-8D11-C2BEE1A314EC}" type="datetimeFigureOut">
               <a:rPr lang="en-GB" smtClean="0"/>
-              <a:t>12/11/2021</a:t>
+              <a:t>30/11/2021</a:t>
             </a:fld>
             <a:endParaRPr lang="en-GB"/>
           </a:p>
@@ -1162,7 +1162,7 @@
           <a:p>
             <a:fld id="{2E3F47AE-4804-4655-8D11-C2BEE1A314EC}" type="datetimeFigureOut">
               <a:rPr lang="en-GB" smtClean="0"/>
-              <a:t>12/11/2021</a:t>
+              <a:t>30/11/2021</a:t>
             </a:fld>
             <a:endParaRPr lang="en-GB"/>
           </a:p>
@@ -1702,7 +1702,7 @@
           <a:p>
             <a:fld id="{2E3F47AE-4804-4655-8D11-C2BEE1A314EC}" type="datetimeFigureOut">
               <a:rPr lang="en-GB" smtClean="0"/>
-              <a:t>12/11/2021</a:t>
+              <a:t>30/11/2021</a:t>
             </a:fld>
             <a:endParaRPr lang="en-GB"/>
           </a:p>
@@ -1950,7 +1950,7 @@
           <a:p>
             <a:fld id="{2E3F47AE-4804-4655-8D11-C2BEE1A314EC}" type="datetimeFigureOut">
               <a:rPr lang="en-GB" smtClean="0"/>
-              <a:t>12/11/2021</a:t>
+              <a:t>30/11/2021</a:t>
             </a:fld>
             <a:endParaRPr lang="en-GB"/>
           </a:p>
@@ -2482,7 +2482,7 @@
           <a:p>
             <a:fld id="{2E3F47AE-4804-4655-8D11-C2BEE1A314EC}" type="datetimeFigureOut">
               <a:rPr lang="en-GB" smtClean="0"/>
-              <a:t>12/11/2021</a:t>
+              <a:t>30/11/2021</a:t>
             </a:fld>
             <a:endParaRPr lang="en-GB"/>
           </a:p>
@@ -2779,7 +2779,7 @@
           <a:p>
             <a:fld id="{2E3F47AE-4804-4655-8D11-C2BEE1A314EC}" type="datetimeFigureOut">
               <a:rPr lang="en-GB" smtClean="0"/>
-              <a:t>12/11/2021</a:t>
+              <a:t>30/11/2021</a:t>
             </a:fld>
             <a:endParaRPr lang="en-GB"/>
           </a:p>
@@ -2953,7 +2953,7 @@
           <a:p>
             <a:fld id="{2E3F47AE-4804-4655-8D11-C2BEE1A314EC}" type="datetimeFigureOut">
               <a:rPr lang="en-GB" smtClean="0"/>
-              <a:t>12/11/2021</a:t>
+              <a:t>30/11/2021</a:t>
             </a:fld>
             <a:endParaRPr lang="en-GB"/>
           </a:p>
@@ -3133,7 +3133,7 @@
           <a:p>
             <a:fld id="{2E3F47AE-4804-4655-8D11-C2BEE1A314EC}" type="datetimeFigureOut">
               <a:rPr lang="en-GB" smtClean="0"/>
-              <a:t>12/11/2021</a:t>
+              <a:t>30/11/2021</a:t>
             </a:fld>
             <a:endParaRPr lang="en-GB"/>
           </a:p>
@@ -3303,7 +3303,7 @@
           <a:p>
             <a:fld id="{2E3F47AE-4804-4655-8D11-C2BEE1A314EC}" type="datetimeFigureOut">
               <a:rPr lang="en-GB" smtClean="0"/>
-              <a:t>12/11/2021</a:t>
+              <a:t>30/11/2021</a:t>
             </a:fld>
             <a:endParaRPr lang="en-GB"/>
           </a:p>
@@ -3554,7 +3554,7 @@
           <a:p>
             <a:fld id="{2E3F47AE-4804-4655-8D11-C2BEE1A314EC}" type="datetimeFigureOut">
               <a:rPr lang="en-GB" smtClean="0"/>
-              <a:t>12/11/2021</a:t>
+              <a:t>30/11/2021</a:t>
             </a:fld>
             <a:endParaRPr lang="en-GB"/>
           </a:p>
@@ -3851,7 +3851,7 @@
           <a:p>
             <a:fld id="{2E3F47AE-4804-4655-8D11-C2BEE1A314EC}" type="datetimeFigureOut">
               <a:rPr lang="en-GB" smtClean="0"/>
-              <a:t>12/11/2021</a:t>
+              <a:t>30/11/2021</a:t>
             </a:fld>
             <a:endParaRPr lang="en-GB"/>
           </a:p>
@@ -4293,7 +4293,7 @@
           <a:p>
             <a:fld id="{2E3F47AE-4804-4655-8D11-C2BEE1A314EC}" type="datetimeFigureOut">
               <a:rPr lang="en-GB" smtClean="0"/>
-              <a:t>12/11/2021</a:t>
+              <a:t>30/11/2021</a:t>
             </a:fld>
             <a:endParaRPr lang="en-GB"/>
           </a:p>
@@ -4411,7 +4411,7 @@
           <a:p>
             <a:fld id="{2E3F47AE-4804-4655-8D11-C2BEE1A314EC}" type="datetimeFigureOut">
               <a:rPr lang="en-GB" smtClean="0"/>
-              <a:t>12/11/2021</a:t>
+              <a:t>30/11/2021</a:t>
             </a:fld>
             <a:endParaRPr lang="en-GB"/>
           </a:p>
@@ -4506,7 +4506,7 @@
           <a:p>
             <a:fld id="{2E3F47AE-4804-4655-8D11-C2BEE1A314EC}" type="datetimeFigureOut">
               <a:rPr lang="en-GB" smtClean="0"/>
-              <a:t>12/11/2021</a:t>
+              <a:t>30/11/2021</a:t>
             </a:fld>
             <a:endParaRPr lang="en-GB"/>
           </a:p>
@@ -4789,7 +4789,7 @@
           <a:p>
             <a:fld id="{2E3F47AE-4804-4655-8D11-C2BEE1A314EC}" type="datetimeFigureOut">
               <a:rPr lang="en-GB" smtClean="0"/>
-              <a:t>12/11/2021</a:t>
+              <a:t>30/11/2021</a:t>
             </a:fld>
             <a:endParaRPr lang="en-GB"/>
           </a:p>
@@ -5080,7 +5080,7 @@
           <a:p>
             <a:fld id="{2E3F47AE-4804-4655-8D11-C2BEE1A314EC}" type="datetimeFigureOut">
               <a:rPr lang="en-GB" smtClean="0"/>
-              <a:t>12/11/2021</a:t>
+              <a:t>30/11/2021</a:t>
             </a:fld>
             <a:endParaRPr lang="en-GB"/>
           </a:p>
@@ -5610,7 +5610,7 @@
           <a:p>
             <a:fld id="{2E3F47AE-4804-4655-8D11-C2BEE1A314EC}" type="datetimeFigureOut">
               <a:rPr lang="en-GB" smtClean="0"/>
-              <a:t>12/11/2021</a:t>
+              <a:t>30/11/2021</a:t>
             </a:fld>
             <a:endParaRPr lang="en-GB"/>
           </a:p>
@@ -6665,111 +6665,561 @@
           <a:chExt cx="0" cy="0"/>
         </a:xfrm>
       </p:grpSpPr>
-      <p:sp>
-        <p:nvSpPr>
-          <p:cNvPr id="2" name="Title 1"/>
-          <p:cNvSpPr>
-            <a:spLocks noGrp="1"/>
-          </p:cNvSpPr>
-          <p:nvPr>
-            <p:ph type="ctrTitle"/>
-          </p:nvPr>
-        </p:nvSpPr>
-        <p:spPr>
-          <a:xfrm>
-            <a:off x="1441621" y="914400"/>
-            <a:ext cx="9144000" cy="915044"/>
-          </a:xfrm>
-        </p:spPr>
-        <p:txBody>
-          <a:bodyPr>
-            <a:normAutofit fontScale="90000"/>
-          </a:bodyPr>
-          <a:lstStyle/>
-          <a:p>
-            <a:r>
-              <a:rPr lang="en-GB" dirty="0">
-                <a:solidFill>
-                  <a:srgbClr val="C00000"/>
-                </a:solidFill>
-              </a:rPr>
-              <a:t>Technologies &amp; System Architecture</a:t>
-            </a:r>
-          </a:p>
-        </p:txBody>
-      </p:sp>
-      <p:sp>
-        <p:nvSpPr>
-          <p:cNvPr id="7" name="Subtitle 2">
+      <p:grpSp>
+        <p:nvGrpSpPr>
+          <p:cNvPr id="24" name="Group 23">
             <a:extLst>
               <a:ext uri="{FF2B5EF4-FFF2-40B4-BE49-F238E27FC236}">
-                <a16:creationId xmlns:a16="http://schemas.microsoft.com/office/drawing/2014/main" id="{815E248E-A4A5-0944-B1A7-08C933F531A8}"/>
+                <a16:creationId xmlns:a16="http://schemas.microsoft.com/office/drawing/2014/main" id="{7C4701A3-3D6D-42FA-8644-28DD72092E48}"/>
+              </a:ext>
+              <a:ext uri="{C183D7F6-B498-43B3-948B-1728B52AA6E4}">
+                <adec:decorative xmlns:adec="http://schemas.microsoft.com/office/drawing/2017/decorative" val="1"/>
               </a:ext>
             </a:extLst>
           </p:cNvPr>
-          <p:cNvSpPr>
-            <a:spLocks noGrp="1"/>
-          </p:cNvSpPr>
-          <p:nvPr>
-            <p:ph type="subTitle" idx="1"/>
+          <p:cNvGrpSpPr>
+            <a:grpSpLocks noGrp="1" noUngrp="1" noRot="1" noChangeAspect="1" noMove="1" noResize="1"/>
+          </p:cNvGrpSpPr>
+          <p:nvPr>
+            <p:extLst>
+              <p:ext uri="{386F3935-93C4-4BCD-93E2-E3B085C9AB24}">
+                <p16:designElem xmlns:p16="http://schemas.microsoft.com/office/powerpoint/2015/main" val="1"/>
+              </p:ext>
+            </p:extLst>
+          </p:nvPr>
+        </p:nvGrpSpPr>
+        <p:grpSpPr>
+          <a:xfrm>
+            <a:off x="150812" y="0"/>
+            <a:ext cx="2436813" cy="6858001"/>
+            <a:chOff x="1320800" y="0"/>
+            <a:chExt cx="2436813" cy="6858001"/>
+          </a:xfrm>
+        </p:grpSpPr>
+        <p:sp>
+          <p:nvSpPr>
+            <p:cNvPr id="25" name="Freeform 6">
+              <a:extLst>
+                <a:ext uri="{FF2B5EF4-FFF2-40B4-BE49-F238E27FC236}">
+                  <a16:creationId xmlns:a16="http://schemas.microsoft.com/office/drawing/2014/main" id="{D33274CE-8F73-480E-BAF8-722873419E57}"/>
+                </a:ext>
+                <a:ext uri="{C183D7F6-B498-43B3-948B-1728B52AA6E4}">
+                  <adec:decorative xmlns:adec="http://schemas.microsoft.com/office/drawing/2017/decorative" val="1"/>
+                </a:ext>
+              </a:extLst>
+            </p:cNvPr>
+            <p:cNvSpPr/>
+            <p:nvPr>
+              <p:extLst>
+                <p:ext uri="{386F3935-93C4-4BCD-93E2-E3B085C9AB24}">
+                  <p16:designElem xmlns:p16="http://schemas.microsoft.com/office/powerpoint/2015/main" val="1"/>
+                </p:ext>
+              </p:extLst>
+            </p:nvPr>
+          </p:nvSpPr>
+          <p:spPr bwMode="auto">
+            <a:xfrm>
+              <a:off x="1627188" y="0"/>
+              <a:ext cx="1122363" cy="5329238"/>
+            </a:xfrm>
+            <a:custGeom>
+              <a:avLst/>
+              <a:gdLst/>
+              <a:ahLst/>
+              <a:cxnLst/>
+              <a:rect l="0" t="0" r="r" b="b"/>
+              <a:pathLst>
+                <a:path w="707" h="3357">
+                  <a:moveTo>
+                    <a:pt x="0" y="3330"/>
+                  </a:moveTo>
+                  <a:lnTo>
+                    <a:pt x="156" y="3357"/>
+                  </a:lnTo>
+                  <a:lnTo>
+                    <a:pt x="707" y="0"/>
+                  </a:lnTo>
+                  <a:lnTo>
+                    <a:pt x="547" y="0"/>
+                  </a:lnTo>
+                  <a:lnTo>
+                    <a:pt x="0" y="3330"/>
+                  </a:lnTo>
+                  <a:close/>
+                </a:path>
+              </a:pathLst>
+            </a:custGeom>
+            <a:solidFill>
+              <a:schemeClr val="accent1"/>
+            </a:solidFill>
+            <a:ln>
+              <a:noFill/>
+            </a:ln>
+          </p:spPr>
+        </p:sp>
+        <p:sp>
+          <p:nvSpPr>
+            <p:cNvPr id="26" name="Freeform 7">
+              <a:extLst>
+                <a:ext uri="{FF2B5EF4-FFF2-40B4-BE49-F238E27FC236}">
+                  <a16:creationId xmlns:a16="http://schemas.microsoft.com/office/drawing/2014/main" id="{D0BAF3BC-4420-466A-8861-1C03A04FD4CD}"/>
+                </a:ext>
+                <a:ext uri="{C183D7F6-B498-43B3-948B-1728B52AA6E4}">
+                  <adec:decorative xmlns:adec="http://schemas.microsoft.com/office/drawing/2017/decorative" val="1"/>
+                </a:ext>
+              </a:extLst>
+            </p:cNvPr>
+            <p:cNvSpPr/>
+            <p:nvPr>
+              <p:extLst>
+                <p:ext uri="{386F3935-93C4-4BCD-93E2-E3B085C9AB24}">
+                  <p16:designElem xmlns:p16="http://schemas.microsoft.com/office/powerpoint/2015/main" val="1"/>
+                </p:ext>
+              </p:extLst>
+            </p:nvPr>
+          </p:nvSpPr>
+          <p:spPr bwMode="auto">
+            <a:xfrm>
+              <a:off x="1320800" y="0"/>
+              <a:ext cx="1117600" cy="5276850"/>
+            </a:xfrm>
+            <a:custGeom>
+              <a:avLst/>
+              <a:gdLst/>
+              <a:ahLst/>
+              <a:cxnLst/>
+              <a:rect l="0" t="0" r="r" b="b"/>
+              <a:pathLst>
+                <a:path w="704" h="3324">
+                  <a:moveTo>
+                    <a:pt x="704" y="0"/>
+                  </a:moveTo>
+                  <a:lnTo>
+                    <a:pt x="545" y="0"/>
+                  </a:lnTo>
+                  <a:lnTo>
+                    <a:pt x="0" y="3300"/>
+                  </a:lnTo>
+                  <a:lnTo>
+                    <a:pt x="157" y="3324"/>
+                  </a:lnTo>
+                  <a:lnTo>
+                    <a:pt x="704" y="0"/>
+                  </a:lnTo>
+                  <a:close/>
+                </a:path>
+              </a:pathLst>
+            </a:custGeom>
+            <a:solidFill>
+              <a:schemeClr val="tx1">
+                <a:lumMod val="65000"/>
+                <a:lumOff val="35000"/>
+              </a:schemeClr>
+            </a:solidFill>
+            <a:ln>
+              <a:noFill/>
+            </a:ln>
+          </p:spPr>
+        </p:sp>
+        <p:sp>
+          <p:nvSpPr>
+            <p:cNvPr id="27" name="Freeform 8">
+              <a:extLst>
+                <a:ext uri="{FF2B5EF4-FFF2-40B4-BE49-F238E27FC236}">
+                  <a16:creationId xmlns:a16="http://schemas.microsoft.com/office/drawing/2014/main" id="{D80AC67D-51B3-46CA-9369-3CA515D28079}"/>
+                </a:ext>
+                <a:ext uri="{C183D7F6-B498-43B3-948B-1728B52AA6E4}">
+                  <adec:decorative xmlns:adec="http://schemas.microsoft.com/office/drawing/2017/decorative" val="1"/>
+                </a:ext>
+              </a:extLst>
+            </p:cNvPr>
+            <p:cNvSpPr/>
+            <p:nvPr>
+              <p:extLst>
+                <p:ext uri="{386F3935-93C4-4BCD-93E2-E3B085C9AB24}">
+                  <p16:designElem xmlns:p16="http://schemas.microsoft.com/office/powerpoint/2015/main" val="1"/>
+                </p:ext>
+              </p:extLst>
+            </p:nvPr>
+          </p:nvSpPr>
+          <p:spPr bwMode="auto">
+            <a:xfrm>
+              <a:off x="1320800" y="5238750"/>
+              <a:ext cx="1228725" cy="1619250"/>
+            </a:xfrm>
+            <a:custGeom>
+              <a:avLst/>
+              <a:gdLst/>
+              <a:ahLst/>
+              <a:cxnLst/>
+              <a:rect l="0" t="0" r="r" b="b"/>
+              <a:pathLst>
+                <a:path w="774" h="1020">
+                  <a:moveTo>
+                    <a:pt x="0" y="0"/>
+                  </a:moveTo>
+                  <a:lnTo>
+                    <a:pt x="740" y="1020"/>
+                  </a:lnTo>
+                  <a:lnTo>
+                    <a:pt x="774" y="1020"/>
+                  </a:lnTo>
+                  <a:lnTo>
+                    <a:pt x="0" y="0"/>
+                  </a:lnTo>
+                  <a:close/>
+                </a:path>
+              </a:pathLst>
+            </a:custGeom>
+            <a:solidFill>
+              <a:schemeClr val="tx1">
+                <a:lumMod val="85000"/>
+                <a:lumOff val="15000"/>
+              </a:schemeClr>
+            </a:solidFill>
+            <a:ln>
+              <a:noFill/>
+            </a:ln>
+          </p:spPr>
+        </p:sp>
+        <p:sp>
+          <p:nvSpPr>
+            <p:cNvPr id="28" name="Freeform 9">
+              <a:extLst>
+                <a:ext uri="{FF2B5EF4-FFF2-40B4-BE49-F238E27FC236}">
+                  <a16:creationId xmlns:a16="http://schemas.microsoft.com/office/drawing/2014/main" id="{F38229F7-00D7-4AE1-A345-621CD08D958E}"/>
+                </a:ext>
+                <a:ext uri="{C183D7F6-B498-43B3-948B-1728B52AA6E4}">
+                  <adec:decorative xmlns:adec="http://schemas.microsoft.com/office/drawing/2017/decorative" val="1"/>
+                </a:ext>
+              </a:extLst>
+            </p:cNvPr>
+            <p:cNvSpPr/>
+            <p:nvPr>
+              <p:extLst>
+                <p:ext uri="{386F3935-93C4-4BCD-93E2-E3B085C9AB24}">
+                  <p16:designElem xmlns:p16="http://schemas.microsoft.com/office/powerpoint/2015/main" val="1"/>
+                </p:ext>
+              </p:extLst>
+            </p:nvPr>
+          </p:nvSpPr>
+          <p:spPr bwMode="auto">
+            <a:xfrm>
+              <a:off x="1627188" y="5291138"/>
+              <a:ext cx="1495425" cy="1566863"/>
+            </a:xfrm>
+            <a:custGeom>
+              <a:avLst/>
+              <a:gdLst/>
+              <a:ahLst/>
+              <a:cxnLst/>
+              <a:rect l="0" t="0" r="r" b="b"/>
+              <a:pathLst>
+                <a:path w="942" h="987">
+                  <a:moveTo>
+                    <a:pt x="0" y="0"/>
+                  </a:moveTo>
+                  <a:lnTo>
+                    <a:pt x="909" y="987"/>
+                  </a:lnTo>
+                  <a:lnTo>
+                    <a:pt x="942" y="987"/>
+                  </a:lnTo>
+                  <a:lnTo>
+                    <a:pt x="0" y="0"/>
+                  </a:lnTo>
+                  <a:close/>
+                </a:path>
+              </a:pathLst>
+            </a:custGeom>
+            <a:solidFill>
+              <a:schemeClr val="accent1">
+                <a:lumMod val="50000"/>
+              </a:schemeClr>
+            </a:solidFill>
+            <a:ln>
+              <a:noFill/>
+            </a:ln>
+          </p:spPr>
+        </p:sp>
+        <p:sp>
+          <p:nvSpPr>
+            <p:cNvPr id="29" name="Freeform 10">
+              <a:extLst>
+                <a:ext uri="{FF2B5EF4-FFF2-40B4-BE49-F238E27FC236}">
+                  <a16:creationId xmlns:a16="http://schemas.microsoft.com/office/drawing/2014/main" id="{01646703-6EA8-4CBE-BCAE-23177639513F}"/>
+                </a:ext>
+                <a:ext uri="{C183D7F6-B498-43B3-948B-1728B52AA6E4}">
+                  <adec:decorative xmlns:adec="http://schemas.microsoft.com/office/drawing/2017/decorative" val="1"/>
+                </a:ext>
+              </a:extLst>
+            </p:cNvPr>
+            <p:cNvSpPr/>
+            <p:nvPr>
+              <p:extLst>
+                <p:ext uri="{386F3935-93C4-4BCD-93E2-E3B085C9AB24}">
+                  <p16:designElem xmlns:p16="http://schemas.microsoft.com/office/powerpoint/2015/main" val="1"/>
+                </p:ext>
+              </p:extLst>
+            </p:nvPr>
+          </p:nvSpPr>
+          <p:spPr bwMode="auto">
+            <a:xfrm>
+              <a:off x="1627188" y="5286375"/>
+              <a:ext cx="2130425" cy="1571625"/>
+            </a:xfrm>
+            <a:custGeom>
+              <a:avLst/>
+              <a:gdLst/>
+              <a:ahLst/>
+              <a:cxnLst/>
+              <a:rect l="0" t="0" r="r" b="b"/>
+              <a:pathLst>
+                <a:path w="1342" h="990">
+                  <a:moveTo>
+                    <a:pt x="0" y="3"/>
+                  </a:moveTo>
+                  <a:lnTo>
+                    <a:pt x="942" y="990"/>
+                  </a:lnTo>
+                  <a:lnTo>
+                    <a:pt x="1342" y="990"/>
+                  </a:lnTo>
+                  <a:lnTo>
+                    <a:pt x="156" y="27"/>
+                  </a:lnTo>
+                  <a:lnTo>
+                    <a:pt x="0" y="0"/>
+                  </a:lnTo>
+                  <a:lnTo>
+                    <a:pt x="0" y="3"/>
+                  </a:lnTo>
+                  <a:close/>
+                </a:path>
+              </a:pathLst>
+            </a:custGeom>
+            <a:solidFill>
+              <a:schemeClr val="accent1">
+                <a:lumMod val="75000"/>
+              </a:schemeClr>
+            </a:solidFill>
+            <a:ln>
+              <a:noFill/>
+            </a:ln>
+          </p:spPr>
+        </p:sp>
+        <p:sp>
+          <p:nvSpPr>
+            <p:cNvPr id="30" name="Freeform 11">
+              <a:extLst>
+                <a:ext uri="{FF2B5EF4-FFF2-40B4-BE49-F238E27FC236}">
+                  <a16:creationId xmlns:a16="http://schemas.microsoft.com/office/drawing/2014/main" id="{936068F1-777C-49D9-B6D9-24889A6E9240}"/>
+                </a:ext>
+                <a:ext uri="{C183D7F6-B498-43B3-948B-1728B52AA6E4}">
+                  <adec:decorative xmlns:adec="http://schemas.microsoft.com/office/drawing/2017/decorative" val="1"/>
+                </a:ext>
+              </a:extLst>
+            </p:cNvPr>
+            <p:cNvSpPr/>
+            <p:nvPr>
+              <p:extLst>
+                <p:ext uri="{386F3935-93C4-4BCD-93E2-E3B085C9AB24}">
+                  <p16:designElem xmlns:p16="http://schemas.microsoft.com/office/powerpoint/2015/main" val="1"/>
+                </p:ext>
+              </p:extLst>
+            </p:nvPr>
+          </p:nvSpPr>
+          <p:spPr bwMode="auto">
+            <a:xfrm>
+              <a:off x="1320800" y="5238750"/>
+              <a:ext cx="1695450" cy="1619250"/>
+            </a:xfrm>
+            <a:custGeom>
+              <a:avLst/>
+              <a:gdLst/>
+              <a:ahLst/>
+              <a:cxnLst/>
+              <a:rect l="0" t="0" r="r" b="b"/>
+              <a:pathLst>
+                <a:path w="1068" h="1020">
+                  <a:moveTo>
+                    <a:pt x="1068" y="1020"/>
+                  </a:moveTo>
+                  <a:lnTo>
+                    <a:pt x="184" y="60"/>
+                  </a:lnTo>
+                  <a:lnTo>
+                    <a:pt x="154" y="27"/>
+                  </a:lnTo>
+                  <a:lnTo>
+                    <a:pt x="157" y="27"/>
+                  </a:lnTo>
+                  <a:lnTo>
+                    <a:pt x="157" y="24"/>
+                  </a:lnTo>
+                  <a:lnTo>
+                    <a:pt x="154" y="24"/>
+                  </a:lnTo>
+                  <a:lnTo>
+                    <a:pt x="0" y="0"/>
+                  </a:lnTo>
+                  <a:lnTo>
+                    <a:pt x="0" y="0"/>
+                  </a:lnTo>
+                  <a:lnTo>
+                    <a:pt x="774" y="1020"/>
+                  </a:lnTo>
+                  <a:lnTo>
+                    <a:pt x="1068" y="1020"/>
+                  </a:lnTo>
+                  <a:close/>
+                </a:path>
+              </a:pathLst>
+            </a:custGeom>
+            <a:solidFill>
+              <a:schemeClr val="tx1">
+                <a:lumMod val="75000"/>
+                <a:lumOff val="25000"/>
+              </a:schemeClr>
+            </a:solidFill>
+            <a:ln>
+              <a:noFill/>
+            </a:ln>
+          </p:spPr>
+        </p:sp>
+      </p:grpSp>
+      <p:sp>
+        <p:nvSpPr>
+          <p:cNvPr id="31" name="Title 1">
+            <a:extLst>
+              <a:ext uri="{FF2B5EF4-FFF2-40B4-BE49-F238E27FC236}">
+                <a16:creationId xmlns:a16="http://schemas.microsoft.com/office/drawing/2014/main" id="{6CEA3F87-5826-44A1-88F0-6025FA3ADFE1}"/>
+              </a:ext>
+            </a:extLst>
+          </p:cNvPr>
+          <p:cNvSpPr>
+            <a:spLocks noGrp="1"/>
+          </p:cNvSpPr>
+          <p:nvPr>
+            <p:ph type="ctrTitle"/>
           </p:nvPr>
         </p:nvSpPr>
         <p:spPr>
           <a:xfrm>
-            <a:off x="3763927" y="2371060"/>
-            <a:ext cx="7739096" cy="3013741"/>
+            <a:off x="5459095" y="685800"/>
+            <a:ext cx="6043929" cy="1752599"/>
           </a:xfrm>
         </p:spPr>
         <p:txBody>
-          <a:bodyPr>
+          <a:bodyPr vert="horz" lIns="91440" tIns="45720" rIns="91440" bIns="45720" rtlCol="0" anchor="ctr">
             <a:normAutofit/>
           </a:bodyPr>
           <a:lstStyle/>
           <a:p>
-            <a:pPr algn="l"/>
-            <a:r>
-              <a:rPr lang="en-US" dirty="0"/>
-              <a:t>Explain the technologies you are using and why you selected them.</a:t>
-            </a:r>
-          </a:p>
-          <a:p>
-            <a:pPr marL="342900" indent="-342900" algn="l">
-              <a:buFont typeface="Arial" panose="020B0604020202020204" pitchFamily="34" charset="0"/>
-              <a:buChar char="•"/>
-            </a:pPr>
-            <a:r>
-              <a:rPr lang="en-US" dirty="0"/>
-              <a:t>Show a diagram of your system architecture and how the high-level components interact.</a:t>
-            </a:r>
-          </a:p>
-          <a:p>
-            <a:pPr marL="342900" indent="-342900" algn="l">
-              <a:buFont typeface="Arial" panose="020B0604020202020204" pitchFamily="34" charset="0"/>
-              <a:buChar char="•"/>
-            </a:pPr>
-            <a:endParaRPr lang="en-US" dirty="0"/>
-          </a:p>
-          <a:p>
-            <a:pPr algn="l"/>
-            <a:endParaRPr lang="en-US" dirty="0"/>
-          </a:p>
-          <a:p>
-            <a:pPr algn="l"/>
-            <a:endParaRPr lang="en-GB" dirty="0"/>
+            <a:pPr algn="ctr"/>
+            <a:r>
+              <a:rPr lang="en-US" sz="4000" dirty="0"/>
+              <a:t>Technologies &amp; System Architecture</a:t>
+            </a:r>
+          </a:p>
+        </p:txBody>
+      </p:sp>
+      <p:sp>
+        <p:nvSpPr>
+          <p:cNvPr id="32" name="Rounded Rectangle 11">
+            <a:extLst>
+              <a:ext uri="{FF2B5EF4-FFF2-40B4-BE49-F238E27FC236}">
+                <a16:creationId xmlns:a16="http://schemas.microsoft.com/office/drawing/2014/main" id="{22AD9316-8E65-4541-BA8A-A96FFE41AABC}"/>
+              </a:ext>
+              <a:ext uri="{C183D7F6-B498-43B3-948B-1728B52AA6E4}">
+                <adec:decorative xmlns:adec="http://schemas.microsoft.com/office/drawing/2017/decorative" val="1"/>
+              </a:ext>
+            </a:extLst>
+          </p:cNvPr>
+          <p:cNvSpPr>
+            <a:spLocks noGrp="1" noRot="1" noChangeAspect="1" noMove="1" noResize="1" noEditPoints="1" noAdjustHandles="1" noChangeArrowheads="1" noChangeShapeType="1" noTextEdit="1"/>
+          </p:cNvSpPr>
+          <p:nvPr>
+            <p:extLst>
+              <p:ext uri="{386F3935-93C4-4BCD-93E2-E3B085C9AB24}">
+                <p16:designElem xmlns:p16="http://schemas.microsoft.com/office/powerpoint/2015/main" val="1"/>
+              </p:ext>
+            </p:extLst>
+          </p:nvPr>
+        </p:nvSpPr>
+        <p:spPr>
+          <a:xfrm>
+            <a:off x="654347" y="648931"/>
+            <a:ext cx="4307995" cy="5231964"/>
+          </a:xfrm>
+          <a:prstGeom prst="roundRect">
+            <a:avLst>
+              <a:gd name="adj" fmla="val 4834"/>
+            </a:avLst>
+          </a:prstGeom>
+          <a:solidFill>
+            <a:schemeClr val="bg1"/>
+          </a:solidFill>
+          <a:ln w="38100">
+            <a:gradFill flip="none" rotWithShape="1">
+              <a:gsLst>
+                <a:gs pos="0">
+                  <a:schemeClr val="bg2"/>
+                </a:gs>
+                <a:gs pos="100000">
+                  <a:schemeClr val="bg2">
+                    <a:lumMod val="75000"/>
+                  </a:schemeClr>
+                </a:gs>
+              </a:gsLst>
+              <a:lin ang="5400000" scaled="0"/>
+              <a:tileRect/>
+            </a:gradFill>
+          </a:ln>
+          <a:effectLst>
+            <a:innerShdw blurRad="57150" dist="38100" dir="14460000">
+              <a:srgbClr val="000000">
+                <a:alpha val="70000"/>
+              </a:srgbClr>
+            </a:innerShdw>
+          </a:effectLst>
+        </p:spPr>
+        <p:style>
+          <a:lnRef idx="2">
+            <a:schemeClr val="accent1">
+              <a:shade val="50000"/>
+            </a:schemeClr>
+          </a:lnRef>
+          <a:fillRef idx="1">
+            <a:schemeClr val="accent1"/>
+          </a:fillRef>
+          <a:effectRef idx="0">
+            <a:schemeClr val="accent1"/>
+          </a:effectRef>
+          <a:fontRef idx="minor">
+            <a:schemeClr val="lt1"/>
+          </a:fontRef>
+        </p:style>
+        <p:txBody>
+          <a:bodyPr rtlCol="0" anchor="ctr"/>
+          <a:lstStyle/>
+          <a:p>
+            <a:pPr algn="ctr"/>
+            <a:endParaRPr lang="en-US"/>
           </a:p>
         </p:txBody>
       </p:sp>
       <p:pic>
         <p:nvPicPr>
-          <p:cNvPr id="8" name="Picture 7">
+          <p:cNvPr id="33" name="Picture 8" descr="React Native Plugin 2.7.0 – iOS &amp;amp; Android [GA] - Pendo Developers">
             <a:extLst>
               <a:ext uri="{FF2B5EF4-FFF2-40B4-BE49-F238E27FC236}">
-                <a16:creationId xmlns:a16="http://schemas.microsoft.com/office/drawing/2014/main" id="{BD3C74BF-D81A-EE41-8A2C-84C068206781}"/>
+                <a16:creationId xmlns:a16="http://schemas.microsoft.com/office/drawing/2014/main" id="{96FB9863-20BF-4DF2-B4DB-A4161659EEA9}"/>
               </a:ext>
             </a:extLst>
           </p:cNvPr>
           <p:cNvPicPr>
-            <a:picLocks noChangeAspect="1"/>
+            <a:picLocks noChangeAspect="1" noChangeArrowheads="1"/>
           </p:cNvPicPr>
           <p:nvPr/>
         </p:nvPicPr>
@@ -6785,14 +7235,403 @@
             <a:fillRect/>
           </a:stretch>
         </p:blipFill>
-        <p:spPr>
-          <a:xfrm>
-            <a:off x="5657085" y="3844259"/>
-            <a:ext cx="5845938" cy="2807012"/>
+        <p:spPr bwMode="auto">
+          <a:xfrm rot="21600000">
+            <a:off x="973583" y="757151"/>
+            <a:ext cx="3660852" cy="1262362"/>
           </a:xfrm>
           <a:prstGeom prst="rect">
             <a:avLst/>
           </a:prstGeom>
+          <a:noFill/>
+          <a:extLst>
+            <a:ext uri="{909E8E84-426E-40DD-AFC4-6F175D3DCCD1}">
+              <a14:hiddenFill xmlns:a14="http://schemas.microsoft.com/office/drawing/2010/main">
+                <a:solidFill>
+                  <a:srgbClr val="FFFFFF"/>
+                </a:solidFill>
+              </a14:hiddenFill>
+            </a:ext>
+          </a:extLst>
+        </p:spPr>
+      </p:pic>
+      <p:pic>
+        <p:nvPicPr>
+          <p:cNvPr id="34" name="Picture 14" descr="Android Studio on Behance">
+            <a:extLst>
+              <a:ext uri="{FF2B5EF4-FFF2-40B4-BE49-F238E27FC236}">
+                <a16:creationId xmlns:a16="http://schemas.microsoft.com/office/drawing/2014/main" id="{B4D0CA7D-3C83-41FD-859C-B40BED4EB0CC}"/>
+              </a:ext>
+            </a:extLst>
+          </p:cNvPr>
+          <p:cNvPicPr>
+            <a:picLocks noChangeAspect="1" noChangeArrowheads="1"/>
+          </p:cNvPicPr>
+          <p:nvPr/>
+        </p:nvPicPr>
+        <p:blipFill>
+          <a:blip r:embed="rId3">
+            <a:extLst>
+              <a:ext uri="{28A0092B-C50C-407E-A947-70E740481C1C}">
+                <a14:useLocalDpi xmlns:a14="http://schemas.microsoft.com/office/drawing/2010/main" val="0"/>
+              </a:ext>
+            </a:extLst>
+          </a:blip>
+          <a:stretch>
+            <a:fillRect/>
+          </a:stretch>
+        </p:blipFill>
+        <p:spPr bwMode="auto">
+          <a:xfrm>
+            <a:off x="900806" y="3549854"/>
+            <a:ext cx="1751808" cy="1110056"/>
+          </a:xfrm>
+          <a:prstGeom prst="rect">
+            <a:avLst/>
+          </a:prstGeom>
+          <a:noFill/>
+          <a:extLst>
+            <a:ext uri="{909E8E84-426E-40DD-AFC4-6F175D3DCCD1}">
+              <a14:hiddenFill xmlns:a14="http://schemas.microsoft.com/office/drawing/2010/main">
+                <a:solidFill>
+                  <a:srgbClr val="FFFFFF"/>
+                </a:solidFill>
+              </a14:hiddenFill>
+            </a:ext>
+          </a:extLst>
+        </p:spPr>
+      </p:pic>
+      <p:pic>
+        <p:nvPicPr>
+          <p:cNvPr id="35" name="Picture 2" descr="The Firebase Blog: Firebase expands to become a unified app platform">
+            <a:extLst>
+              <a:ext uri="{FF2B5EF4-FFF2-40B4-BE49-F238E27FC236}">
+                <a16:creationId xmlns:a16="http://schemas.microsoft.com/office/drawing/2014/main" id="{3B2C724D-1D3D-4AF9-A586-5D6ECFF34AE5}"/>
+              </a:ext>
+            </a:extLst>
+          </p:cNvPr>
+          <p:cNvPicPr>
+            <a:picLocks noChangeAspect="1" noChangeArrowheads="1"/>
+          </p:cNvPicPr>
+          <p:nvPr/>
+        </p:nvPicPr>
+        <p:blipFill>
+          <a:blip r:embed="rId4">
+            <a:extLst>
+              <a:ext uri="{28A0092B-C50C-407E-A947-70E740481C1C}">
+                <a14:useLocalDpi xmlns:a14="http://schemas.microsoft.com/office/drawing/2010/main" val="0"/>
+              </a:ext>
+            </a:extLst>
+          </a:blip>
+          <a:stretch>
+            <a:fillRect/>
+          </a:stretch>
+        </p:blipFill>
+        <p:spPr bwMode="auto">
+          <a:xfrm>
+            <a:off x="2804008" y="3655981"/>
+            <a:ext cx="1751808" cy="897801"/>
+          </a:xfrm>
+          <a:prstGeom prst="rect">
+            <a:avLst/>
+          </a:prstGeom>
+          <a:noFill/>
+          <a:extLst>
+            <a:ext uri="{909E8E84-426E-40DD-AFC4-6F175D3DCCD1}">
+              <a14:hiddenFill xmlns:a14="http://schemas.microsoft.com/office/drawing/2010/main">
+                <a:solidFill>
+                  <a:srgbClr val="FFFFFF"/>
+                </a:solidFill>
+              </a14:hiddenFill>
+            </a:ext>
+          </a:extLst>
+        </p:spPr>
+      </p:pic>
+      <p:sp>
+        <p:nvSpPr>
+          <p:cNvPr id="36" name="Subtitle 2">
+            <a:extLst>
+              <a:ext uri="{FF2B5EF4-FFF2-40B4-BE49-F238E27FC236}">
+                <a16:creationId xmlns:a16="http://schemas.microsoft.com/office/drawing/2014/main" id="{E0C4CD8B-951A-4078-B399-844576CFAB6D}"/>
+              </a:ext>
+            </a:extLst>
+          </p:cNvPr>
+          <p:cNvSpPr>
+            <a:spLocks noGrp="1"/>
+          </p:cNvSpPr>
+          <p:nvPr>
+            <p:ph type="subTitle" idx="1"/>
+          </p:nvPr>
+        </p:nvSpPr>
+        <p:spPr>
+          <a:xfrm>
+            <a:off x="5459094" y="2666999"/>
+            <a:ext cx="6043929" cy="3505201"/>
+          </a:xfrm>
+        </p:spPr>
+        <p:txBody>
+          <a:bodyPr vert="horz" lIns="91440" tIns="45720" rIns="91440" bIns="45720" rtlCol="0" anchor="ctr">
+            <a:normAutofit/>
+          </a:bodyPr>
+          <a:lstStyle/>
+          <a:p>
+            <a:pPr marL="342900" indent="-342900" algn="l">
+              <a:buFont typeface="Arial"/>
+              <a:buChar char="•"/>
+            </a:pPr>
+            <a:r>
+              <a:rPr lang="en-US" dirty="0"/>
+              <a:t>React Native – App</a:t>
+            </a:r>
+          </a:p>
+          <a:p>
+            <a:pPr marL="342900" indent="-342900" algn="l">
+              <a:buFont typeface="Arial"/>
+              <a:buChar char="•"/>
+            </a:pPr>
+            <a:r>
+              <a:rPr lang="en-US" dirty="0"/>
+              <a:t>Visual Studio Code – IDE</a:t>
+            </a:r>
+          </a:p>
+          <a:p>
+            <a:pPr marL="342900" indent="-342900" algn="l">
+              <a:buFont typeface="Arial"/>
+              <a:buChar char="•"/>
+            </a:pPr>
+            <a:r>
+              <a:rPr lang="en-US" dirty="0"/>
+              <a:t>GitHub – Version Control</a:t>
+            </a:r>
+          </a:p>
+          <a:p>
+            <a:pPr marL="342900" indent="-342900" algn="l">
+              <a:buFont typeface="Arial"/>
+              <a:buChar char="•"/>
+            </a:pPr>
+            <a:r>
+              <a:rPr lang="en-US" dirty="0"/>
+              <a:t>Android Studio – Android Emulator</a:t>
+            </a:r>
+          </a:p>
+          <a:p>
+            <a:pPr marL="342900" indent="-342900" algn="l">
+              <a:buFont typeface="Arial"/>
+              <a:buChar char="•"/>
+            </a:pPr>
+            <a:r>
+              <a:rPr lang="en-US" dirty="0"/>
+              <a:t>Firebase – Database</a:t>
+            </a:r>
+          </a:p>
+          <a:p>
+            <a:pPr marL="342900" indent="-342900" algn="l">
+              <a:buFont typeface="Arial"/>
+              <a:buChar char="•"/>
+            </a:pPr>
+            <a:r>
+              <a:rPr lang="en-US" dirty="0"/>
+              <a:t>Android – Testing Locally and Targeted Device</a:t>
+            </a:r>
+          </a:p>
+          <a:p>
+            <a:pPr marL="342900" indent="-342900" algn="l">
+              <a:buFont typeface="Arial"/>
+              <a:buChar char="•"/>
+            </a:pPr>
+            <a:r>
+              <a:rPr lang="en-US" dirty="0"/>
+              <a:t>Apple – Targeted Device (Maybe)</a:t>
+            </a:r>
+          </a:p>
+        </p:txBody>
+      </p:sp>
+      <p:pic>
+        <p:nvPicPr>
+          <p:cNvPr id="37" name="Picture 16" descr="GitHub logo and symbol, meaning, history, PNG">
+            <a:extLst>
+              <a:ext uri="{FF2B5EF4-FFF2-40B4-BE49-F238E27FC236}">
+                <a16:creationId xmlns:a16="http://schemas.microsoft.com/office/drawing/2014/main" id="{745F7364-D4D8-4E2F-B77B-8133FC9DD4F0}"/>
+              </a:ext>
+            </a:extLst>
+          </p:cNvPr>
+          <p:cNvPicPr>
+            <a:picLocks noChangeAspect="1" noChangeArrowheads="1"/>
+          </p:cNvPicPr>
+          <p:nvPr/>
+        </p:nvPicPr>
+        <p:blipFill>
+          <a:blip r:embed="rId5">
+            <a:extLst>
+              <a:ext uri="{28A0092B-C50C-407E-A947-70E740481C1C}">
+                <a14:useLocalDpi xmlns:a14="http://schemas.microsoft.com/office/drawing/2010/main" val="0"/>
+              </a:ext>
+            </a:extLst>
+          </a:blip>
+          <a:srcRect/>
+          <a:stretch>
+            <a:fillRect/>
+          </a:stretch>
+        </p:blipFill>
+        <p:spPr bwMode="auto">
+          <a:xfrm>
+            <a:off x="799542" y="2163250"/>
+            <a:ext cx="1689509" cy="950349"/>
+          </a:xfrm>
+          <a:prstGeom prst="rect">
+            <a:avLst/>
+          </a:prstGeom>
+          <a:noFill/>
+          <a:extLst>
+            <a:ext uri="{909E8E84-426E-40DD-AFC4-6F175D3DCCD1}">
+              <a14:hiddenFill xmlns:a14="http://schemas.microsoft.com/office/drawing/2010/main">
+                <a:solidFill>
+                  <a:srgbClr val="FFFFFF"/>
+                </a:solidFill>
+              </a14:hiddenFill>
+            </a:ext>
+          </a:extLst>
+        </p:spPr>
+      </p:pic>
+      <p:pic>
+        <p:nvPicPr>
+          <p:cNvPr id="38" name="Picture 18" descr="Why the Visual Studio Code team launched a snap | Snapcraft">
+            <a:extLst>
+              <a:ext uri="{FF2B5EF4-FFF2-40B4-BE49-F238E27FC236}">
+                <a16:creationId xmlns:a16="http://schemas.microsoft.com/office/drawing/2014/main" id="{AEDDAF13-72F4-4767-B6CA-0AF4A7092385}"/>
+              </a:ext>
+            </a:extLst>
+          </p:cNvPr>
+          <p:cNvPicPr>
+            <a:picLocks noChangeAspect="1" noChangeArrowheads="1"/>
+          </p:cNvPicPr>
+          <p:nvPr/>
+        </p:nvPicPr>
+        <p:blipFill>
+          <a:blip r:embed="rId6">
+            <a:extLst>
+              <a:ext uri="{28A0092B-C50C-407E-A947-70E740481C1C}">
+                <a14:useLocalDpi xmlns:a14="http://schemas.microsoft.com/office/drawing/2010/main" val="0"/>
+              </a:ext>
+            </a:extLst>
+          </a:blip>
+          <a:srcRect/>
+          <a:stretch>
+            <a:fillRect/>
+          </a:stretch>
+        </p:blipFill>
+        <p:spPr bwMode="auto">
+          <a:xfrm>
+            <a:off x="2541750" y="2137081"/>
+            <a:ext cx="2110149" cy="1055075"/>
+          </a:xfrm>
+          <a:prstGeom prst="rect">
+            <a:avLst/>
+          </a:prstGeom>
+          <a:noFill/>
+          <a:extLst>
+            <a:ext uri="{909E8E84-426E-40DD-AFC4-6F175D3DCCD1}">
+              <a14:hiddenFill xmlns:a14="http://schemas.microsoft.com/office/drawing/2010/main">
+                <a:solidFill>
+                  <a:srgbClr val="FFFFFF"/>
+                </a:solidFill>
+              </a14:hiddenFill>
+            </a:ext>
+          </a:extLst>
+        </p:spPr>
+      </p:pic>
+      <p:pic>
+        <p:nvPicPr>
+          <p:cNvPr id="39" name="Picture 20">
+            <a:extLst>
+              <a:ext uri="{FF2B5EF4-FFF2-40B4-BE49-F238E27FC236}">
+                <a16:creationId xmlns:a16="http://schemas.microsoft.com/office/drawing/2014/main" id="{CFEEA35A-85DB-4EAA-852A-F3956CC6B7B6}"/>
+              </a:ext>
+            </a:extLst>
+          </p:cNvPr>
+          <p:cNvPicPr>
+            <a:picLocks noChangeAspect="1" noChangeArrowheads="1"/>
+          </p:cNvPicPr>
+          <p:nvPr/>
+        </p:nvPicPr>
+        <p:blipFill>
+          <a:blip r:embed="rId7">
+            <a:extLst>
+              <a:ext uri="{28A0092B-C50C-407E-A947-70E740481C1C}">
+                <a14:useLocalDpi xmlns:a14="http://schemas.microsoft.com/office/drawing/2010/main" val="0"/>
+              </a:ext>
+            </a:extLst>
+          </a:blip>
+          <a:srcRect/>
+          <a:stretch>
+            <a:fillRect/>
+          </a:stretch>
+        </p:blipFill>
+        <p:spPr bwMode="auto">
+          <a:xfrm>
+            <a:off x="1434223" y="4696099"/>
+            <a:ext cx="787432" cy="936593"/>
+          </a:xfrm>
+          <a:prstGeom prst="rect">
+            <a:avLst/>
+          </a:prstGeom>
+          <a:noFill/>
+          <a:extLst>
+            <a:ext uri="{909E8E84-426E-40DD-AFC4-6F175D3DCCD1}">
+              <a14:hiddenFill xmlns:a14="http://schemas.microsoft.com/office/drawing/2010/main">
+                <a:solidFill>
+                  <a:srgbClr val="FFFFFF"/>
+                </a:solidFill>
+              </a14:hiddenFill>
+            </a:ext>
+          </a:extLst>
+        </p:spPr>
+      </p:pic>
+      <p:pic>
+        <p:nvPicPr>
+          <p:cNvPr id="40" name="Picture 22" descr="Download Apple Inc. (Apple Computer, Inc.) Logo in SVG Vector or PNG File  Format - Logo.wine">
+            <a:extLst>
+              <a:ext uri="{FF2B5EF4-FFF2-40B4-BE49-F238E27FC236}">
+                <a16:creationId xmlns:a16="http://schemas.microsoft.com/office/drawing/2014/main" id="{A8CD5A6D-C421-4D9B-8835-C1DEC42F9B60}"/>
+              </a:ext>
+            </a:extLst>
+          </p:cNvPr>
+          <p:cNvPicPr>
+            <a:picLocks noChangeAspect="1" noChangeArrowheads="1"/>
+          </p:cNvPicPr>
+          <p:nvPr/>
+        </p:nvPicPr>
+        <p:blipFill>
+          <a:blip r:embed="rId8">
+            <a:extLst>
+              <a:ext uri="{28A0092B-C50C-407E-A947-70E740481C1C}">
+                <a14:useLocalDpi xmlns:a14="http://schemas.microsoft.com/office/drawing/2010/main" val="0"/>
+              </a:ext>
+            </a:extLst>
+          </a:blip>
+          <a:srcRect/>
+          <a:stretch>
+            <a:fillRect/>
+          </a:stretch>
+        </p:blipFill>
+        <p:spPr bwMode="auto">
+          <a:xfrm>
+            <a:off x="2906956" y="4511266"/>
+            <a:ext cx="1698040" cy="1132027"/>
+          </a:xfrm>
+          <a:prstGeom prst="rect">
+            <a:avLst/>
+          </a:prstGeom>
+          <a:noFill/>
+          <a:extLst>
+            <a:ext uri="{909E8E84-426E-40DD-AFC4-6F175D3DCCD1}">
+              <a14:hiddenFill xmlns:a14="http://schemas.microsoft.com/office/drawing/2010/main">
+                <a:solidFill>
+                  <a:srgbClr val="FFFFFF"/>
+                </a:solidFill>
+              </a14:hiddenFill>
+            </a:ext>
+          </a:extLst>
         </p:spPr>
       </p:pic>
     </p:spTree>

--- a/Documents/Semester 1 Presentation.pptx
+++ b/Documents/Semester 1 Presentation.pptx
@@ -7366,7 +7366,7 @@
         <p:spPr>
           <a:xfrm>
             <a:off x="5459094" y="2666999"/>
-            <a:ext cx="6043929" cy="3505201"/>
+            <a:ext cx="6043929" cy="3591758"/>
           </a:xfrm>
         </p:spPr>
         <p:txBody>

--- a/Documents/Semester 1 Presentation.pptx
+++ b/Documents/Semester 1 Presentation.pptx
@@ -116,6 +116,1581 @@
 </p:presentation>
 </file>
 
+<file path=ppt/charts/chart1.xml><?xml version="1.0" encoding="utf-8"?>
+<c:chartSpace xmlns:c="http://schemas.openxmlformats.org/drawingml/2006/chart" xmlns:a="http://schemas.openxmlformats.org/drawingml/2006/main" xmlns:r="http://schemas.openxmlformats.org/officeDocument/2006/relationships" xmlns:c16r2="http://schemas.microsoft.com/office/drawing/2015/06/chart">
+  <c:date1904 val="0"/>
+  <c:lang val="en-US"/>
+  <c:roundedCorners val="0"/>
+  <mc:AlternateContent xmlns:mc="http://schemas.openxmlformats.org/markup-compatibility/2006">
+    <mc:Choice xmlns:c14="http://schemas.microsoft.com/office/drawing/2007/8/2/chart" Requires="c14">
+      <c14:style val="102"/>
+    </mc:Choice>
+    <mc:Fallback>
+      <c:style val="2"/>
+    </mc:Fallback>
+  </mc:AlternateContent>
+  <c:chart>
+    <c:title>
+      <c:tx>
+        <c:rich>
+          <a:bodyPr rot="0" spcFirstLastPara="1" vertOverflow="ellipsis" vert="horz" wrap="square" anchor="ctr" anchorCtr="1"/>
+          <a:lstStyle/>
+          <a:p>
+            <a:pPr>
+              <a:defRPr sz="2128" b="1" i="0" u="none" strike="noStrike" kern="1200" spc="100" baseline="0">
+                <a:solidFill>
+                  <a:schemeClr val="lt1">
+                    <a:lumMod val="95000"/>
+                  </a:schemeClr>
+                </a:solidFill>
+                <a:effectLst>
+                  <a:outerShdw blurRad="50800" dist="38100" dir="5400000" algn="t" rotWithShape="0">
+                    <a:prstClr val="black">
+                      <a:alpha val="40000"/>
+                    </a:prstClr>
+                  </a:outerShdw>
+                </a:effectLst>
+                <a:latin typeface="+mn-lt"/>
+                <a:ea typeface="+mn-ea"/>
+                <a:cs typeface="+mn-cs"/>
+              </a:defRPr>
+            </a:pPr>
+            <a:r>
+              <a:rPr lang="en-IE" sz="4000" u="sng">
+                <a:effectLst>
+                  <a:outerShdw blurRad="38100" dist="38100" dir="2700000" algn="tl">
+                    <a:srgbClr val="000000">
+                      <a:alpha val="43137"/>
+                    </a:srgbClr>
+                  </a:outerShdw>
+                </a:effectLst>
+                <a:latin typeface="+mj-lt"/>
+              </a:rPr>
+              <a:t>Work Plan</a:t>
+            </a:r>
+          </a:p>
+        </c:rich>
+      </c:tx>
+      <c:overlay val="0"/>
+      <c:spPr>
+        <a:noFill/>
+        <a:ln>
+          <a:noFill/>
+        </a:ln>
+        <a:effectLst/>
+      </c:spPr>
+      <c:txPr>
+        <a:bodyPr rot="0" spcFirstLastPara="1" vertOverflow="ellipsis" vert="horz" wrap="square" anchor="ctr" anchorCtr="1"/>
+        <a:lstStyle/>
+        <a:p>
+          <a:pPr>
+            <a:defRPr sz="2128" b="1" i="0" u="none" strike="noStrike" kern="1200" spc="100" baseline="0">
+              <a:solidFill>
+                <a:schemeClr val="lt1">
+                  <a:lumMod val="95000"/>
+                </a:schemeClr>
+              </a:solidFill>
+              <a:effectLst>
+                <a:outerShdw blurRad="50800" dist="38100" dir="5400000" algn="t" rotWithShape="0">
+                  <a:prstClr val="black">
+                    <a:alpha val="40000"/>
+                  </a:prstClr>
+                </a:outerShdw>
+              </a:effectLst>
+              <a:latin typeface="+mn-lt"/>
+              <a:ea typeface="+mn-ea"/>
+              <a:cs typeface="+mn-cs"/>
+            </a:defRPr>
+          </a:pPr>
+          <a:endParaRPr lang="en-US"/>
+        </a:p>
+      </c:txPr>
+    </c:title>
+    <c:autoTitleDeleted val="0"/>
+    <c:plotArea>
+      <c:layout/>
+      <c:barChart>
+        <c:barDir val="bar"/>
+        <c:grouping val="stacked"/>
+        <c:varyColors val="0"/>
+        <c:ser>
+          <c:idx val="0"/>
+          <c:order val="0"/>
+          <c:tx>
+            <c:strRef>
+              <c:f>Sheet1!$B$1</c:f>
+              <c:strCache>
+                <c:ptCount val="1"/>
+                <c:pt idx="0">
+                  <c:v>December</c:v>
+                </c:pt>
+              </c:strCache>
+            </c:strRef>
+          </c:tx>
+          <c:spPr>
+            <a:gradFill rotWithShape="1">
+              <a:gsLst>
+                <a:gs pos="0">
+                  <a:schemeClr val="accent1">
+                    <a:tint val="96000"/>
+                    <a:lumMod val="102000"/>
+                  </a:schemeClr>
+                </a:gs>
+                <a:gs pos="100000">
+                  <a:schemeClr val="accent1">
+                    <a:shade val="88000"/>
+                    <a:lumMod val="94000"/>
+                  </a:schemeClr>
+                </a:gs>
+              </a:gsLst>
+              <a:path path="circle">
+                <a:fillToRect l="50000" t="100000" r="100000" b="50000"/>
+              </a:path>
+            </a:gradFill>
+            <a:ln>
+              <a:noFill/>
+            </a:ln>
+            <a:effectLst>
+              <a:outerShdw blurRad="38100" dist="25400" dir="5400000" rotWithShape="0">
+                <a:srgbClr val="000000">
+                  <a:alpha val="64000"/>
+                </a:srgbClr>
+              </a:outerShdw>
+            </a:effectLst>
+            <a:scene3d>
+              <a:camera prst="orthographicFront">
+                <a:rot lat="0" lon="0" rev="0"/>
+              </a:camera>
+              <a:lightRig rig="threePt" dir="tl">
+                <a:rot lat="0" lon="0" rev="1200000"/>
+              </a:lightRig>
+            </a:scene3d>
+            <a:sp3d>
+              <a:bevelT w="25400" h="12700"/>
+            </a:sp3d>
+          </c:spPr>
+          <c:invertIfNegative val="0"/>
+          <c:dLbls>
+            <c:spPr>
+              <a:noFill/>
+              <a:ln>
+                <a:noFill/>
+              </a:ln>
+              <a:effectLst/>
+            </c:spPr>
+            <c:txPr>
+              <a:bodyPr rot="0" spcFirstLastPara="1" vertOverflow="ellipsis" vert="horz" wrap="square" lIns="38100" tIns="19050" rIns="38100" bIns="19050" anchor="ctr" anchorCtr="1">
+                <a:spAutoFit/>
+              </a:bodyPr>
+              <a:lstStyle/>
+              <a:p>
+                <a:pPr>
+                  <a:defRPr sz="1400" b="1" i="0" u="none" strike="noStrike" kern="1200" baseline="0">
+                    <a:solidFill>
+                      <a:schemeClr val="tx1"/>
+                    </a:solidFill>
+                    <a:latin typeface="+mn-lt"/>
+                    <a:ea typeface="+mn-ea"/>
+                    <a:cs typeface="+mn-cs"/>
+                  </a:defRPr>
+                </a:pPr>
+                <a:endParaRPr lang="en-US"/>
+              </a:p>
+            </c:txPr>
+            <c:dLblPos val="ctr"/>
+            <c:showLegendKey val="0"/>
+            <c:showVal val="1"/>
+            <c:showCatName val="0"/>
+            <c:showSerName val="0"/>
+            <c:showPercent val="0"/>
+            <c:showBubbleSize val="0"/>
+            <c:showLeaderLines val="0"/>
+            <c:extLst>
+              <c:ext xmlns:c15="http://schemas.microsoft.com/office/drawing/2012/chart" uri="{CE6537A1-D6FC-4f65-9D91-7224C49458BB}">
+                <c15:showLeaderLines val="1"/>
+                <c15:leaderLines>
+                  <c:spPr>
+                    <a:ln w="9525">
+                      <a:solidFill>
+                        <a:schemeClr val="lt1">
+                          <a:lumMod val="95000"/>
+                          <a:alpha val="54000"/>
+                        </a:schemeClr>
+                      </a:solidFill>
+                    </a:ln>
+                    <a:effectLst/>
+                  </c:spPr>
+                </c15:leaderLines>
+              </c:ext>
+            </c:extLst>
+          </c:dLbls>
+          <c:cat>
+            <c:strRef>
+              <c:f>Sheet1!$A$2:$A$6</c:f>
+              <c:strCache>
+                <c:ptCount val="5"/>
+                <c:pt idx="0">
+                  <c:v>Front-End</c:v>
+                </c:pt>
+                <c:pt idx="1">
+                  <c:v>Back-End</c:v>
+                </c:pt>
+                <c:pt idx="2">
+                  <c:v>Testing</c:v>
+                </c:pt>
+                <c:pt idx="3">
+                  <c:v>Dissertation</c:v>
+                </c:pt>
+                <c:pt idx="4">
+                  <c:v>Final Review</c:v>
+                </c:pt>
+              </c:strCache>
+            </c:strRef>
+          </c:cat>
+          <c:val>
+            <c:numRef>
+              <c:f>Sheet1!$B$2:$B$6</c:f>
+              <c:numCache>
+                <c:formatCode>mmm\-yy</c:formatCode>
+                <c:ptCount val="5"/>
+                <c:pt idx="0">
+                  <c:v>44531</c:v>
+                </c:pt>
+                <c:pt idx="1">
+                  <c:v>44531</c:v>
+                </c:pt>
+                <c:pt idx="2">
+                  <c:v>44531</c:v>
+                </c:pt>
+              </c:numCache>
+            </c:numRef>
+          </c:val>
+          <c:extLst>
+            <c:ext xmlns:c16="http://schemas.microsoft.com/office/drawing/2014/chart" uri="{C3380CC4-5D6E-409C-BE32-E72D297353CC}">
+              <c16:uniqueId val="{00000000-4632-479B-A32A-4D43D4C97231}"/>
+            </c:ext>
+          </c:extLst>
+        </c:ser>
+        <c:ser>
+          <c:idx val="1"/>
+          <c:order val="1"/>
+          <c:tx>
+            <c:strRef>
+              <c:f>Sheet1!$C$1</c:f>
+              <c:strCache>
+                <c:ptCount val="1"/>
+                <c:pt idx="0">
+                  <c:v>January</c:v>
+                </c:pt>
+              </c:strCache>
+            </c:strRef>
+          </c:tx>
+          <c:spPr>
+            <a:gradFill rotWithShape="1">
+              <a:gsLst>
+                <a:gs pos="0">
+                  <a:schemeClr val="accent2">
+                    <a:tint val="96000"/>
+                    <a:lumMod val="102000"/>
+                  </a:schemeClr>
+                </a:gs>
+                <a:gs pos="100000">
+                  <a:schemeClr val="accent2">
+                    <a:shade val="88000"/>
+                    <a:lumMod val="94000"/>
+                  </a:schemeClr>
+                </a:gs>
+              </a:gsLst>
+              <a:path path="circle">
+                <a:fillToRect l="50000" t="100000" r="100000" b="50000"/>
+              </a:path>
+            </a:gradFill>
+            <a:ln>
+              <a:noFill/>
+            </a:ln>
+            <a:effectLst>
+              <a:outerShdw blurRad="38100" dist="25400" dir="5400000" rotWithShape="0">
+                <a:srgbClr val="000000">
+                  <a:alpha val="64000"/>
+                </a:srgbClr>
+              </a:outerShdw>
+            </a:effectLst>
+            <a:scene3d>
+              <a:camera prst="orthographicFront">
+                <a:rot lat="0" lon="0" rev="0"/>
+              </a:camera>
+              <a:lightRig rig="threePt" dir="tl">
+                <a:rot lat="0" lon="0" rev="1200000"/>
+              </a:lightRig>
+            </a:scene3d>
+            <a:sp3d>
+              <a:bevelT w="25400" h="12700"/>
+            </a:sp3d>
+          </c:spPr>
+          <c:invertIfNegative val="0"/>
+          <c:dLbls>
+            <c:spPr>
+              <a:noFill/>
+              <a:ln>
+                <a:noFill/>
+              </a:ln>
+              <a:effectLst/>
+            </c:spPr>
+            <c:txPr>
+              <a:bodyPr rot="0" spcFirstLastPara="1" vertOverflow="ellipsis" vert="horz" wrap="square" lIns="38100" tIns="19050" rIns="38100" bIns="19050" anchor="ctr" anchorCtr="1">
+                <a:spAutoFit/>
+              </a:bodyPr>
+              <a:lstStyle/>
+              <a:p>
+                <a:pPr>
+                  <a:defRPr sz="1400" b="1" i="0" u="none" strike="noStrike" kern="1200" baseline="0">
+                    <a:solidFill>
+                      <a:schemeClr val="tx1"/>
+                    </a:solidFill>
+                    <a:latin typeface="+mn-lt"/>
+                    <a:ea typeface="+mn-ea"/>
+                    <a:cs typeface="+mn-cs"/>
+                  </a:defRPr>
+                </a:pPr>
+                <a:endParaRPr lang="en-US"/>
+              </a:p>
+            </c:txPr>
+            <c:dLblPos val="ctr"/>
+            <c:showLegendKey val="0"/>
+            <c:showVal val="1"/>
+            <c:showCatName val="0"/>
+            <c:showSerName val="0"/>
+            <c:showPercent val="0"/>
+            <c:showBubbleSize val="0"/>
+            <c:showLeaderLines val="0"/>
+            <c:extLst>
+              <c:ext xmlns:c15="http://schemas.microsoft.com/office/drawing/2012/chart" uri="{CE6537A1-D6FC-4f65-9D91-7224C49458BB}">
+                <c15:showLeaderLines val="1"/>
+                <c15:leaderLines>
+                  <c:spPr>
+                    <a:ln w="9525">
+                      <a:solidFill>
+                        <a:schemeClr val="lt1">
+                          <a:lumMod val="95000"/>
+                          <a:alpha val="54000"/>
+                        </a:schemeClr>
+                      </a:solidFill>
+                    </a:ln>
+                    <a:effectLst/>
+                  </c:spPr>
+                </c15:leaderLines>
+              </c:ext>
+            </c:extLst>
+          </c:dLbls>
+          <c:cat>
+            <c:strRef>
+              <c:f>Sheet1!$A$2:$A$6</c:f>
+              <c:strCache>
+                <c:ptCount val="5"/>
+                <c:pt idx="0">
+                  <c:v>Front-End</c:v>
+                </c:pt>
+                <c:pt idx="1">
+                  <c:v>Back-End</c:v>
+                </c:pt>
+                <c:pt idx="2">
+                  <c:v>Testing</c:v>
+                </c:pt>
+                <c:pt idx="3">
+                  <c:v>Dissertation</c:v>
+                </c:pt>
+                <c:pt idx="4">
+                  <c:v>Final Review</c:v>
+                </c:pt>
+              </c:strCache>
+            </c:strRef>
+          </c:cat>
+          <c:val>
+            <c:numRef>
+              <c:f>Sheet1!$C$2:$C$6</c:f>
+              <c:numCache>
+                <c:formatCode>mmm\-yy</c:formatCode>
+                <c:ptCount val="5"/>
+                <c:pt idx="0">
+                  <c:v>44562</c:v>
+                </c:pt>
+                <c:pt idx="1">
+                  <c:v>44562</c:v>
+                </c:pt>
+                <c:pt idx="2">
+                  <c:v>44562</c:v>
+                </c:pt>
+              </c:numCache>
+            </c:numRef>
+          </c:val>
+          <c:extLst>
+            <c:ext xmlns:c16="http://schemas.microsoft.com/office/drawing/2014/chart" uri="{C3380CC4-5D6E-409C-BE32-E72D297353CC}">
+              <c16:uniqueId val="{00000001-4632-479B-A32A-4D43D4C97231}"/>
+            </c:ext>
+          </c:extLst>
+        </c:ser>
+        <c:ser>
+          <c:idx val="2"/>
+          <c:order val="2"/>
+          <c:tx>
+            <c:strRef>
+              <c:f>Sheet1!$D$1</c:f>
+              <c:strCache>
+                <c:ptCount val="1"/>
+                <c:pt idx="0">
+                  <c:v>February</c:v>
+                </c:pt>
+              </c:strCache>
+            </c:strRef>
+          </c:tx>
+          <c:spPr>
+            <a:gradFill rotWithShape="1">
+              <a:gsLst>
+                <a:gs pos="0">
+                  <a:schemeClr val="accent3">
+                    <a:tint val="96000"/>
+                    <a:lumMod val="102000"/>
+                  </a:schemeClr>
+                </a:gs>
+                <a:gs pos="100000">
+                  <a:schemeClr val="accent3">
+                    <a:shade val="88000"/>
+                    <a:lumMod val="94000"/>
+                  </a:schemeClr>
+                </a:gs>
+              </a:gsLst>
+              <a:path path="circle">
+                <a:fillToRect l="50000" t="100000" r="100000" b="50000"/>
+              </a:path>
+            </a:gradFill>
+            <a:ln>
+              <a:noFill/>
+            </a:ln>
+            <a:effectLst>
+              <a:outerShdw blurRad="38100" dist="25400" dir="5400000" rotWithShape="0">
+                <a:srgbClr val="000000">
+                  <a:alpha val="64000"/>
+                </a:srgbClr>
+              </a:outerShdw>
+            </a:effectLst>
+            <a:scene3d>
+              <a:camera prst="orthographicFront">
+                <a:rot lat="0" lon="0" rev="0"/>
+              </a:camera>
+              <a:lightRig rig="threePt" dir="tl">
+                <a:rot lat="0" lon="0" rev="1200000"/>
+              </a:lightRig>
+            </a:scene3d>
+            <a:sp3d>
+              <a:bevelT w="25400" h="12700"/>
+            </a:sp3d>
+          </c:spPr>
+          <c:invertIfNegative val="0"/>
+          <c:dLbls>
+            <c:spPr>
+              <a:noFill/>
+              <a:ln>
+                <a:noFill/>
+              </a:ln>
+              <a:effectLst/>
+            </c:spPr>
+            <c:txPr>
+              <a:bodyPr rot="0" spcFirstLastPara="1" vertOverflow="ellipsis" vert="horz" wrap="square" lIns="38100" tIns="19050" rIns="38100" bIns="19050" anchor="ctr" anchorCtr="1">
+                <a:spAutoFit/>
+              </a:bodyPr>
+              <a:lstStyle/>
+              <a:p>
+                <a:pPr>
+                  <a:defRPr sz="1400" b="1" i="0" u="none" strike="noStrike" kern="1200" baseline="0">
+                    <a:solidFill>
+                      <a:schemeClr val="tx1"/>
+                    </a:solidFill>
+                    <a:latin typeface="+mn-lt"/>
+                    <a:ea typeface="+mn-ea"/>
+                    <a:cs typeface="+mn-cs"/>
+                  </a:defRPr>
+                </a:pPr>
+                <a:endParaRPr lang="en-US"/>
+              </a:p>
+            </c:txPr>
+            <c:dLblPos val="ctr"/>
+            <c:showLegendKey val="0"/>
+            <c:showVal val="1"/>
+            <c:showCatName val="0"/>
+            <c:showSerName val="0"/>
+            <c:showPercent val="0"/>
+            <c:showBubbleSize val="0"/>
+            <c:showLeaderLines val="0"/>
+            <c:extLst>
+              <c:ext xmlns:c15="http://schemas.microsoft.com/office/drawing/2012/chart" uri="{CE6537A1-D6FC-4f65-9D91-7224C49458BB}">
+                <c15:showLeaderLines val="1"/>
+                <c15:leaderLines>
+                  <c:spPr>
+                    <a:ln w="9525">
+                      <a:solidFill>
+                        <a:schemeClr val="lt1">
+                          <a:lumMod val="95000"/>
+                          <a:alpha val="54000"/>
+                        </a:schemeClr>
+                      </a:solidFill>
+                    </a:ln>
+                    <a:effectLst/>
+                  </c:spPr>
+                </c15:leaderLines>
+              </c:ext>
+            </c:extLst>
+          </c:dLbls>
+          <c:cat>
+            <c:strRef>
+              <c:f>Sheet1!$A$2:$A$6</c:f>
+              <c:strCache>
+                <c:ptCount val="5"/>
+                <c:pt idx="0">
+                  <c:v>Front-End</c:v>
+                </c:pt>
+                <c:pt idx="1">
+                  <c:v>Back-End</c:v>
+                </c:pt>
+                <c:pt idx="2">
+                  <c:v>Testing</c:v>
+                </c:pt>
+                <c:pt idx="3">
+                  <c:v>Dissertation</c:v>
+                </c:pt>
+                <c:pt idx="4">
+                  <c:v>Final Review</c:v>
+                </c:pt>
+              </c:strCache>
+            </c:strRef>
+          </c:cat>
+          <c:val>
+            <c:numRef>
+              <c:f>Sheet1!$D$2:$D$6</c:f>
+              <c:numCache>
+                <c:formatCode>mmm\-yy</c:formatCode>
+                <c:ptCount val="5"/>
+                <c:pt idx="0">
+                  <c:v>44593</c:v>
+                </c:pt>
+                <c:pt idx="1">
+                  <c:v>44593</c:v>
+                </c:pt>
+                <c:pt idx="2">
+                  <c:v>44593</c:v>
+                </c:pt>
+                <c:pt idx="3">
+                  <c:v>44593</c:v>
+                </c:pt>
+              </c:numCache>
+            </c:numRef>
+          </c:val>
+          <c:extLst>
+            <c:ext xmlns:c16="http://schemas.microsoft.com/office/drawing/2014/chart" uri="{C3380CC4-5D6E-409C-BE32-E72D297353CC}">
+              <c16:uniqueId val="{00000002-4632-479B-A32A-4D43D4C97231}"/>
+            </c:ext>
+          </c:extLst>
+        </c:ser>
+        <c:ser>
+          <c:idx val="3"/>
+          <c:order val="3"/>
+          <c:tx>
+            <c:strRef>
+              <c:f>Sheet1!$E$1</c:f>
+              <c:strCache>
+                <c:ptCount val="1"/>
+                <c:pt idx="0">
+                  <c:v>March</c:v>
+                </c:pt>
+              </c:strCache>
+            </c:strRef>
+          </c:tx>
+          <c:spPr>
+            <a:gradFill rotWithShape="1">
+              <a:gsLst>
+                <a:gs pos="0">
+                  <a:schemeClr val="accent4">
+                    <a:tint val="96000"/>
+                    <a:lumMod val="102000"/>
+                  </a:schemeClr>
+                </a:gs>
+                <a:gs pos="100000">
+                  <a:schemeClr val="accent4">
+                    <a:shade val="88000"/>
+                    <a:lumMod val="94000"/>
+                  </a:schemeClr>
+                </a:gs>
+              </a:gsLst>
+              <a:path path="circle">
+                <a:fillToRect l="50000" t="100000" r="100000" b="50000"/>
+              </a:path>
+            </a:gradFill>
+            <a:ln>
+              <a:noFill/>
+            </a:ln>
+            <a:effectLst>
+              <a:outerShdw blurRad="38100" dist="25400" dir="5400000" rotWithShape="0">
+                <a:srgbClr val="000000">
+                  <a:alpha val="64000"/>
+                </a:srgbClr>
+              </a:outerShdw>
+            </a:effectLst>
+            <a:scene3d>
+              <a:camera prst="orthographicFront">
+                <a:rot lat="0" lon="0" rev="0"/>
+              </a:camera>
+              <a:lightRig rig="threePt" dir="tl">
+                <a:rot lat="0" lon="0" rev="1200000"/>
+              </a:lightRig>
+            </a:scene3d>
+            <a:sp3d>
+              <a:bevelT w="25400" h="12700"/>
+            </a:sp3d>
+          </c:spPr>
+          <c:invertIfNegative val="0"/>
+          <c:dLbls>
+            <c:spPr>
+              <a:noFill/>
+              <a:ln>
+                <a:noFill/>
+              </a:ln>
+              <a:effectLst/>
+            </c:spPr>
+            <c:txPr>
+              <a:bodyPr rot="0" spcFirstLastPara="1" vertOverflow="ellipsis" vert="horz" wrap="square" lIns="38100" tIns="19050" rIns="38100" bIns="19050" anchor="ctr" anchorCtr="1">
+                <a:spAutoFit/>
+              </a:bodyPr>
+              <a:lstStyle/>
+              <a:p>
+                <a:pPr>
+                  <a:defRPr sz="1400" b="1" i="0" u="none" strike="noStrike" kern="1200" baseline="0">
+                    <a:solidFill>
+                      <a:schemeClr val="tx1"/>
+                    </a:solidFill>
+                    <a:latin typeface="+mn-lt"/>
+                    <a:ea typeface="+mn-ea"/>
+                    <a:cs typeface="+mn-cs"/>
+                  </a:defRPr>
+                </a:pPr>
+                <a:endParaRPr lang="en-US"/>
+              </a:p>
+            </c:txPr>
+            <c:dLblPos val="ctr"/>
+            <c:showLegendKey val="0"/>
+            <c:showVal val="1"/>
+            <c:showCatName val="0"/>
+            <c:showSerName val="0"/>
+            <c:showPercent val="0"/>
+            <c:showBubbleSize val="0"/>
+            <c:showLeaderLines val="0"/>
+            <c:extLst>
+              <c:ext xmlns:c15="http://schemas.microsoft.com/office/drawing/2012/chart" uri="{CE6537A1-D6FC-4f65-9D91-7224C49458BB}">
+                <c15:showLeaderLines val="1"/>
+                <c15:leaderLines>
+                  <c:spPr>
+                    <a:ln w="9525">
+                      <a:solidFill>
+                        <a:schemeClr val="lt1">
+                          <a:lumMod val="95000"/>
+                          <a:alpha val="54000"/>
+                        </a:schemeClr>
+                      </a:solidFill>
+                    </a:ln>
+                    <a:effectLst/>
+                  </c:spPr>
+                </c15:leaderLines>
+              </c:ext>
+            </c:extLst>
+          </c:dLbls>
+          <c:cat>
+            <c:strRef>
+              <c:f>Sheet1!$A$2:$A$6</c:f>
+              <c:strCache>
+                <c:ptCount val="5"/>
+                <c:pt idx="0">
+                  <c:v>Front-End</c:v>
+                </c:pt>
+                <c:pt idx="1">
+                  <c:v>Back-End</c:v>
+                </c:pt>
+                <c:pt idx="2">
+                  <c:v>Testing</c:v>
+                </c:pt>
+                <c:pt idx="3">
+                  <c:v>Dissertation</c:v>
+                </c:pt>
+                <c:pt idx="4">
+                  <c:v>Final Review</c:v>
+                </c:pt>
+              </c:strCache>
+            </c:strRef>
+          </c:cat>
+          <c:val>
+            <c:numRef>
+              <c:f>Sheet1!$E$2:$E$6</c:f>
+              <c:numCache>
+                <c:formatCode>mmm\-yy</c:formatCode>
+                <c:ptCount val="5"/>
+                <c:pt idx="0">
+                  <c:v>44621</c:v>
+                </c:pt>
+                <c:pt idx="1">
+                  <c:v>44621</c:v>
+                </c:pt>
+                <c:pt idx="3">
+                  <c:v>44635</c:v>
+                </c:pt>
+              </c:numCache>
+            </c:numRef>
+          </c:val>
+          <c:extLst>
+            <c:ext xmlns:c16="http://schemas.microsoft.com/office/drawing/2014/chart" uri="{C3380CC4-5D6E-409C-BE32-E72D297353CC}">
+              <c16:uniqueId val="{00000003-4632-479B-A32A-4D43D4C97231}"/>
+            </c:ext>
+          </c:extLst>
+        </c:ser>
+        <c:ser>
+          <c:idx val="4"/>
+          <c:order val="4"/>
+          <c:tx>
+            <c:strRef>
+              <c:f>Sheet1!$F$1</c:f>
+              <c:strCache>
+                <c:ptCount val="1"/>
+                <c:pt idx="0">
+                  <c:v>April</c:v>
+                </c:pt>
+              </c:strCache>
+            </c:strRef>
+          </c:tx>
+          <c:spPr>
+            <a:gradFill rotWithShape="1">
+              <a:gsLst>
+                <a:gs pos="0">
+                  <a:schemeClr val="accent5">
+                    <a:tint val="96000"/>
+                    <a:lumMod val="102000"/>
+                  </a:schemeClr>
+                </a:gs>
+                <a:gs pos="100000">
+                  <a:schemeClr val="accent5">
+                    <a:shade val="88000"/>
+                    <a:lumMod val="94000"/>
+                  </a:schemeClr>
+                </a:gs>
+              </a:gsLst>
+              <a:path path="circle">
+                <a:fillToRect l="50000" t="100000" r="100000" b="50000"/>
+              </a:path>
+            </a:gradFill>
+            <a:ln>
+              <a:noFill/>
+            </a:ln>
+            <a:effectLst>
+              <a:outerShdw blurRad="38100" dist="25400" dir="5400000" rotWithShape="0">
+                <a:srgbClr val="000000">
+                  <a:alpha val="64000"/>
+                </a:srgbClr>
+              </a:outerShdw>
+            </a:effectLst>
+            <a:scene3d>
+              <a:camera prst="orthographicFront">
+                <a:rot lat="0" lon="0" rev="0"/>
+              </a:camera>
+              <a:lightRig rig="threePt" dir="tl">
+                <a:rot lat="0" lon="0" rev="1200000"/>
+              </a:lightRig>
+            </a:scene3d>
+            <a:sp3d>
+              <a:bevelT w="25400" h="12700"/>
+            </a:sp3d>
+          </c:spPr>
+          <c:invertIfNegative val="0"/>
+          <c:dLbls>
+            <c:spPr>
+              <a:noFill/>
+              <a:ln>
+                <a:noFill/>
+              </a:ln>
+              <a:effectLst/>
+            </c:spPr>
+            <c:txPr>
+              <a:bodyPr rot="0" spcFirstLastPara="1" vertOverflow="ellipsis" vert="horz" wrap="square" lIns="38100" tIns="19050" rIns="38100" bIns="19050" anchor="ctr" anchorCtr="1">
+                <a:spAutoFit/>
+              </a:bodyPr>
+              <a:lstStyle/>
+              <a:p>
+                <a:pPr>
+                  <a:defRPr sz="1400" b="1" i="0" u="none" strike="noStrike" kern="1200" baseline="0">
+                    <a:solidFill>
+                      <a:schemeClr val="tx1"/>
+                    </a:solidFill>
+                    <a:latin typeface="+mn-lt"/>
+                    <a:ea typeface="+mn-ea"/>
+                    <a:cs typeface="+mn-cs"/>
+                  </a:defRPr>
+                </a:pPr>
+                <a:endParaRPr lang="en-US"/>
+              </a:p>
+            </c:txPr>
+            <c:dLblPos val="ctr"/>
+            <c:showLegendKey val="0"/>
+            <c:showVal val="1"/>
+            <c:showCatName val="0"/>
+            <c:showSerName val="0"/>
+            <c:showPercent val="0"/>
+            <c:showBubbleSize val="0"/>
+            <c:showLeaderLines val="0"/>
+            <c:extLst>
+              <c:ext xmlns:c15="http://schemas.microsoft.com/office/drawing/2012/chart" uri="{CE6537A1-D6FC-4f65-9D91-7224C49458BB}">
+                <c15:showLeaderLines val="1"/>
+                <c15:leaderLines>
+                  <c:spPr>
+                    <a:ln w="9525">
+                      <a:solidFill>
+                        <a:schemeClr val="lt1">
+                          <a:lumMod val="95000"/>
+                          <a:alpha val="54000"/>
+                        </a:schemeClr>
+                      </a:solidFill>
+                    </a:ln>
+                    <a:effectLst/>
+                  </c:spPr>
+                </c15:leaderLines>
+              </c:ext>
+            </c:extLst>
+          </c:dLbls>
+          <c:cat>
+            <c:strRef>
+              <c:f>Sheet1!$A$2:$A$6</c:f>
+              <c:strCache>
+                <c:ptCount val="5"/>
+                <c:pt idx="0">
+                  <c:v>Front-End</c:v>
+                </c:pt>
+                <c:pt idx="1">
+                  <c:v>Back-End</c:v>
+                </c:pt>
+                <c:pt idx="2">
+                  <c:v>Testing</c:v>
+                </c:pt>
+                <c:pt idx="3">
+                  <c:v>Dissertation</c:v>
+                </c:pt>
+                <c:pt idx="4">
+                  <c:v>Final Review</c:v>
+                </c:pt>
+              </c:strCache>
+            </c:strRef>
+          </c:cat>
+          <c:val>
+            <c:numRef>
+              <c:f>Sheet1!$F$2:$F$6</c:f>
+              <c:numCache>
+                <c:formatCode>mmm\-yy</c:formatCode>
+                <c:ptCount val="5"/>
+                <c:pt idx="4">
+                  <c:v>44682</c:v>
+                </c:pt>
+              </c:numCache>
+            </c:numRef>
+          </c:val>
+          <c:extLst>
+            <c:ext xmlns:c16="http://schemas.microsoft.com/office/drawing/2014/chart" uri="{C3380CC4-5D6E-409C-BE32-E72D297353CC}">
+              <c16:uniqueId val="{00000004-4632-479B-A32A-4D43D4C97231}"/>
+            </c:ext>
+          </c:extLst>
+        </c:ser>
+        <c:dLbls>
+          <c:showLegendKey val="0"/>
+          <c:showVal val="0"/>
+          <c:showCatName val="0"/>
+          <c:showSerName val="0"/>
+          <c:showPercent val="0"/>
+          <c:showBubbleSize val="0"/>
+        </c:dLbls>
+        <c:gapWidth val="75"/>
+        <c:overlap val="100"/>
+        <c:axId val="990996800"/>
+        <c:axId val="990997632"/>
+      </c:barChart>
+      <c:catAx>
+        <c:axId val="990996800"/>
+        <c:scaling>
+          <c:orientation val="maxMin"/>
+        </c:scaling>
+        <c:delete val="0"/>
+        <c:axPos val="l"/>
+        <c:numFmt formatCode="General" sourceLinked="1"/>
+        <c:majorTickMark val="none"/>
+        <c:minorTickMark val="none"/>
+        <c:tickLblPos val="nextTo"/>
+        <c:spPr>
+          <a:noFill/>
+          <a:ln w="12700" cap="flat" cmpd="sng" algn="ctr">
+            <a:solidFill>
+              <a:schemeClr val="lt1">
+                <a:lumMod val="95000"/>
+                <a:alpha val="54000"/>
+              </a:schemeClr>
+            </a:solidFill>
+            <a:round/>
+          </a:ln>
+          <a:effectLst/>
+        </c:spPr>
+        <c:txPr>
+          <a:bodyPr rot="-60000000" spcFirstLastPara="1" vertOverflow="ellipsis" vert="horz" wrap="square" anchor="ctr" anchorCtr="1"/>
+          <a:lstStyle/>
+          <a:p>
+            <a:pPr>
+              <a:defRPr sz="2000" b="1" i="0" u="none" strike="noStrike" kern="1200" baseline="0">
+                <a:solidFill>
+                  <a:schemeClr val="lt1">
+                    <a:lumMod val="85000"/>
+                  </a:schemeClr>
+                </a:solidFill>
+                <a:latin typeface="+mn-lt"/>
+                <a:ea typeface="+mn-ea"/>
+                <a:cs typeface="+mn-cs"/>
+              </a:defRPr>
+            </a:pPr>
+            <a:endParaRPr lang="en-US"/>
+          </a:p>
+        </c:txPr>
+        <c:crossAx val="990997632"/>
+        <c:crosses val="autoZero"/>
+        <c:auto val="1"/>
+        <c:lblAlgn val="ctr"/>
+        <c:lblOffset val="100"/>
+        <c:noMultiLvlLbl val="0"/>
+      </c:catAx>
+      <c:valAx>
+        <c:axId val="990997632"/>
+        <c:scaling>
+          <c:orientation val="minMax"/>
+        </c:scaling>
+        <c:delete val="1"/>
+        <c:axPos val="t"/>
+        <c:majorGridlines>
+          <c:spPr>
+            <a:ln w="9525" cap="flat" cmpd="sng" algn="ctr">
+              <a:solidFill>
+                <a:schemeClr val="lt1">
+                  <a:lumMod val="95000"/>
+                  <a:alpha val="10000"/>
+                </a:schemeClr>
+              </a:solidFill>
+              <a:round/>
+            </a:ln>
+            <a:effectLst/>
+          </c:spPr>
+        </c:majorGridlines>
+        <c:numFmt formatCode="mmm\-yy" sourceLinked="1"/>
+        <c:majorTickMark val="none"/>
+        <c:minorTickMark val="none"/>
+        <c:tickLblPos val="nextTo"/>
+        <c:crossAx val="990996800"/>
+        <c:crosses val="autoZero"/>
+        <c:crossBetween val="between"/>
+      </c:valAx>
+      <c:spPr>
+        <a:noFill/>
+        <a:ln>
+          <a:noFill/>
+        </a:ln>
+        <a:effectLst>
+          <a:softEdge rad="12700"/>
+        </a:effectLst>
+      </c:spPr>
+    </c:plotArea>
+    <c:plotVisOnly val="1"/>
+    <c:dispBlanksAs val="gap"/>
+    <c:extLst>
+      <c:ext xmlns:c16r3="http://schemas.microsoft.com/office/drawing/2017/03/chart" uri="{56B9EC1D-385E-4148-901F-78D8002777C0}">
+        <c16r3:dataDisplayOptions16>
+          <c16r3:dispNaAsBlank val="1"/>
+        </c16r3:dataDisplayOptions16>
+      </c:ext>
+    </c:extLst>
+    <c:showDLblsOverMax val="0"/>
+  </c:chart>
+  <c:spPr>
+    <a:gradFill flip="none" rotWithShape="1">
+      <a:gsLst>
+        <a:gs pos="0">
+          <a:schemeClr val="dk1">
+            <a:lumMod val="65000"/>
+            <a:lumOff val="35000"/>
+          </a:schemeClr>
+        </a:gs>
+        <a:gs pos="100000">
+          <a:schemeClr val="dk1">
+            <a:lumMod val="85000"/>
+            <a:lumOff val="15000"/>
+          </a:schemeClr>
+        </a:gs>
+      </a:gsLst>
+      <a:path path="circle">
+        <a:fillToRect l="50000" t="50000" r="50000" b="50000"/>
+      </a:path>
+      <a:tileRect/>
+    </a:gradFill>
+    <a:ln>
+      <a:noFill/>
+    </a:ln>
+    <a:effectLst/>
+  </c:spPr>
+  <c:txPr>
+    <a:bodyPr/>
+    <a:lstStyle/>
+    <a:p>
+      <a:pPr>
+        <a:defRPr/>
+      </a:pPr>
+      <a:endParaRPr lang="en-US"/>
+    </a:p>
+  </c:txPr>
+  <c:externalData r:id="rId3">
+    <c:autoUpdate val="0"/>
+  </c:externalData>
+</c:chartSpace>
+</file>
+
+<file path=ppt/charts/colors1.xml><?xml version="1.0" encoding="utf-8"?>
+<cs:colorStyle xmlns:cs="http://schemas.microsoft.com/office/drawing/2012/chartStyle" xmlns:a="http://schemas.openxmlformats.org/drawingml/2006/main" meth="cycle" id="10">
+  <a:schemeClr val="accent1"/>
+  <a:schemeClr val="accent2"/>
+  <a:schemeClr val="accent3"/>
+  <a:schemeClr val="accent4"/>
+  <a:schemeClr val="accent5"/>
+  <a:schemeClr val="accent6"/>
+  <cs:variation/>
+  <cs:variation>
+    <a:lumMod val="60000"/>
+  </cs:variation>
+  <cs:variation>
+    <a:lumMod val="80000"/>
+    <a:lumOff val="20000"/>
+  </cs:variation>
+  <cs:variation>
+    <a:lumMod val="80000"/>
+  </cs:variation>
+  <cs:variation>
+    <a:lumMod val="60000"/>
+    <a:lumOff val="40000"/>
+  </cs:variation>
+  <cs:variation>
+    <a:lumMod val="50000"/>
+  </cs:variation>
+  <cs:variation>
+    <a:lumMod val="70000"/>
+    <a:lumOff val="30000"/>
+  </cs:variation>
+  <cs:variation>
+    <a:lumMod val="70000"/>
+  </cs:variation>
+  <cs:variation>
+    <a:lumMod val="50000"/>
+    <a:lumOff val="50000"/>
+  </cs:variation>
+</cs:colorStyle>
+</file>
+
+<file path=ppt/charts/style1.xml><?xml version="1.0" encoding="utf-8"?>
+<cs:chartStyle xmlns:cs="http://schemas.microsoft.com/office/drawing/2012/chartStyle" xmlns:a="http://schemas.openxmlformats.org/drawingml/2006/main" id="304">
+  <cs:axisTitle>
+    <cs:lnRef idx="0"/>
+    <cs:fillRef idx="0"/>
+    <cs:effectRef idx="0"/>
+    <cs:fontRef idx="minor">
+      <a:schemeClr val="lt1">
+        <a:lumMod val="85000"/>
+      </a:schemeClr>
+    </cs:fontRef>
+    <cs:defRPr sz="1197" b="1" kern="1200" cap="all"/>
+  </cs:axisTitle>
+  <cs:categoryAxis>
+    <cs:lnRef idx="0"/>
+    <cs:fillRef idx="0"/>
+    <cs:effectRef idx="0"/>
+    <cs:fontRef idx="minor">
+      <a:schemeClr val="lt1">
+        <a:lumMod val="85000"/>
+      </a:schemeClr>
+    </cs:fontRef>
+    <cs:spPr>
+      <a:ln w="12700" cap="flat" cmpd="sng" algn="ctr">
+        <a:solidFill>
+          <a:schemeClr val="lt1">
+            <a:lumMod val="95000"/>
+            <a:alpha val="54000"/>
+          </a:schemeClr>
+        </a:solidFill>
+        <a:round/>
+      </a:ln>
+    </cs:spPr>
+    <cs:defRPr sz="1197" kern="1200"/>
+  </cs:categoryAxis>
+  <cs:chartArea>
+    <cs:lnRef idx="0"/>
+    <cs:fillRef idx="0"/>
+    <cs:effectRef idx="0"/>
+    <cs:fontRef idx="minor">
+      <a:schemeClr val="dk1"/>
+    </cs:fontRef>
+    <cs:spPr>
+      <a:gradFill flip="none" rotWithShape="1">
+        <a:gsLst>
+          <a:gs pos="0">
+            <a:schemeClr val="dk1">
+              <a:lumMod val="65000"/>
+              <a:lumOff val="35000"/>
+            </a:schemeClr>
+          </a:gs>
+          <a:gs pos="100000">
+            <a:schemeClr val="dk1">
+              <a:lumMod val="85000"/>
+              <a:lumOff val="15000"/>
+            </a:schemeClr>
+          </a:gs>
+        </a:gsLst>
+        <a:path path="circle">
+          <a:fillToRect l="50000" t="50000" r="50000" b="50000"/>
+        </a:path>
+        <a:tileRect/>
+      </a:gradFill>
+    </cs:spPr>
+    <cs:defRPr sz="1330" kern="1200"/>
+  </cs:chartArea>
+  <cs:dataLabel>
+    <cs:lnRef idx="0"/>
+    <cs:fillRef idx="0"/>
+    <cs:effectRef idx="0"/>
+    <cs:fontRef idx="minor">
+      <a:schemeClr val="lt1">
+        <a:lumMod val="85000"/>
+      </a:schemeClr>
+    </cs:fontRef>
+    <cs:defRPr sz="1197" kern="1200"/>
+  </cs:dataLabel>
+  <cs:dataLabelCallout>
+    <cs:lnRef idx="0"/>
+    <cs:fillRef idx="0"/>
+    <cs:effectRef idx="0"/>
+    <cs:fontRef idx="minor">
+      <a:schemeClr val="dk1">
+        <a:lumMod val="65000"/>
+        <a:lumOff val="35000"/>
+      </a:schemeClr>
+    </cs:fontRef>
+    <cs:spPr>
+      <a:solidFill>
+        <a:schemeClr val="lt1"/>
+      </a:solidFill>
+    </cs:spPr>
+    <cs:defRPr sz="1197" kern="1200"/>
+    <cs:bodyPr rot="0" spcFirstLastPara="1" vertOverflow="clip" horzOverflow="clip" vert="horz" wrap="square" lIns="36576" tIns="18288" rIns="36576" bIns="18288" anchor="ctr" anchorCtr="1">
+      <a:spAutoFit/>
+    </cs:bodyPr>
+  </cs:dataLabelCallout>
+  <cs:dataPoint>
+    <cs:lnRef idx="0"/>
+    <cs:fillRef idx="3">
+      <cs:styleClr val="auto"/>
+    </cs:fillRef>
+    <cs:effectRef idx="3"/>
+    <cs:fontRef idx="minor">
+      <a:schemeClr val="tx1"/>
+    </cs:fontRef>
+  </cs:dataPoint>
+  <cs:dataPoint3D>
+    <cs:lnRef idx="0"/>
+    <cs:fillRef idx="3">
+      <cs:styleClr val="auto"/>
+    </cs:fillRef>
+    <cs:effectRef idx="3"/>
+    <cs:fontRef idx="minor">
+      <a:schemeClr val="tx1"/>
+    </cs:fontRef>
+  </cs:dataPoint3D>
+  <cs:dataPointLine>
+    <cs:lnRef idx="0">
+      <cs:styleClr val="auto"/>
+    </cs:lnRef>
+    <cs:fillRef idx="3"/>
+    <cs:effectRef idx="3"/>
+    <cs:fontRef idx="minor">
+      <a:schemeClr val="tx1"/>
+    </cs:fontRef>
+    <cs:spPr>
+      <a:ln w="34925" cap="rnd">
+        <a:solidFill>
+          <a:schemeClr val="phClr"/>
+        </a:solidFill>
+        <a:round/>
+      </a:ln>
+    </cs:spPr>
+  </cs:dataPointLine>
+  <cs:dataPointMarker>
+    <cs:lnRef idx="0">
+      <cs:styleClr val="auto"/>
+    </cs:lnRef>
+    <cs:fillRef idx="3">
+      <cs:styleClr val="auto"/>
+    </cs:fillRef>
+    <cs:effectRef idx="3"/>
+    <cs:fontRef idx="minor">
+      <a:schemeClr val="tx1"/>
+    </cs:fontRef>
+    <cs:spPr>
+      <a:ln w="9525">
+        <a:solidFill>
+          <a:schemeClr val="phClr"/>
+        </a:solidFill>
+        <a:round/>
+      </a:ln>
+    </cs:spPr>
+  </cs:dataPointMarker>
+  <cs:dataPointMarkerLayout symbol="circle" size="6"/>
+  <cs:dataPointWireframe>
+    <cs:lnRef idx="0">
+      <cs:styleClr val="auto"/>
+    </cs:lnRef>
+    <cs:fillRef idx="3"/>
+    <cs:effectRef idx="3"/>
+    <cs:fontRef idx="minor">
+      <a:schemeClr val="tx1"/>
+    </cs:fontRef>
+    <cs:spPr>
+      <a:ln w="9525" cap="rnd">
+        <a:solidFill>
+          <a:schemeClr val="phClr"/>
+        </a:solidFill>
+        <a:round/>
+      </a:ln>
+    </cs:spPr>
+  </cs:dataPointWireframe>
+  <cs:dataTable>
+    <cs:lnRef idx="0"/>
+    <cs:fillRef idx="0"/>
+    <cs:effectRef idx="0"/>
+    <cs:fontRef idx="minor">
+      <a:schemeClr val="lt1">
+        <a:lumMod val="85000"/>
+      </a:schemeClr>
+    </cs:fontRef>
+    <cs:spPr>
+      <a:ln w="9525">
+        <a:solidFill>
+          <a:schemeClr val="lt1">
+            <a:lumMod val="95000"/>
+            <a:alpha val="54000"/>
+          </a:schemeClr>
+        </a:solidFill>
+      </a:ln>
+    </cs:spPr>
+    <cs:defRPr sz="1197" kern="1200"/>
+  </cs:dataTable>
+  <cs:downBar>
+    <cs:lnRef idx="0"/>
+    <cs:fillRef idx="0"/>
+    <cs:effectRef idx="0"/>
+    <cs:fontRef idx="minor">
+      <a:schemeClr val="tx1"/>
+    </cs:fontRef>
+    <cs:spPr>
+      <a:solidFill>
+        <a:schemeClr val="dk1">
+          <a:lumMod val="75000"/>
+          <a:lumOff val="25000"/>
+        </a:schemeClr>
+      </a:solidFill>
+      <a:ln w="9525">
+        <a:solidFill>
+          <a:schemeClr val="lt1">
+            <a:lumMod val="95000"/>
+            <a:alpha val="54000"/>
+          </a:schemeClr>
+        </a:solidFill>
+      </a:ln>
+    </cs:spPr>
+  </cs:downBar>
+  <cs:dropLine>
+    <cs:lnRef idx="0"/>
+    <cs:fillRef idx="0"/>
+    <cs:effectRef idx="0"/>
+    <cs:fontRef idx="minor">
+      <a:schemeClr val="tx1"/>
+    </cs:fontRef>
+    <cs:spPr>
+      <a:ln w="9525">
+        <a:solidFill>
+          <a:schemeClr val="lt1">
+            <a:lumMod val="95000"/>
+            <a:alpha val="54000"/>
+          </a:schemeClr>
+        </a:solidFill>
+        <a:prstDash val="dash"/>
+      </a:ln>
+    </cs:spPr>
+  </cs:dropLine>
+  <cs:errorBar>
+    <cs:lnRef idx="0"/>
+    <cs:fillRef idx="0"/>
+    <cs:effectRef idx="0"/>
+    <cs:fontRef idx="minor">
+      <a:schemeClr val="tx1"/>
+    </cs:fontRef>
+    <cs:spPr>
+      <a:ln w="9525" cap="flat" cmpd="sng" algn="ctr">
+        <a:solidFill>
+          <a:schemeClr val="lt1">
+            <a:lumMod val="95000"/>
+          </a:schemeClr>
+        </a:solidFill>
+        <a:round/>
+      </a:ln>
+    </cs:spPr>
+  </cs:errorBar>
+  <cs:floor>
+    <cs:lnRef idx="0"/>
+    <cs:fillRef idx="0"/>
+    <cs:effectRef idx="0"/>
+    <cs:fontRef idx="minor">
+      <a:schemeClr val="tx1"/>
+    </cs:fontRef>
+  </cs:floor>
+  <cs:gridlineMajor>
+    <cs:lnRef idx="0"/>
+    <cs:fillRef idx="0"/>
+    <cs:effectRef idx="0"/>
+    <cs:fontRef idx="minor">
+      <a:schemeClr val="tx1"/>
+    </cs:fontRef>
+    <cs:spPr>
+      <a:ln w="9525" cap="flat" cmpd="sng" algn="ctr">
+        <a:solidFill>
+          <a:schemeClr val="lt1">
+            <a:lumMod val="95000"/>
+            <a:alpha val="10000"/>
+          </a:schemeClr>
+        </a:solidFill>
+        <a:round/>
+      </a:ln>
+    </cs:spPr>
+  </cs:gridlineMajor>
+  <cs:gridlineMinor>
+    <cs:lnRef idx="0"/>
+    <cs:fillRef idx="0"/>
+    <cs:effectRef idx="0"/>
+    <cs:fontRef idx="minor">
+      <a:schemeClr val="tx1"/>
+    </cs:fontRef>
+    <cs:spPr>
+      <a:ln>
+        <a:solidFill>
+          <a:schemeClr val="lt1">
+            <a:lumMod val="95000"/>
+            <a:alpha val="5000"/>
+          </a:schemeClr>
+        </a:solidFill>
+      </a:ln>
+    </cs:spPr>
+  </cs:gridlineMinor>
+  <cs:hiLoLine>
+    <cs:lnRef idx="0"/>
+    <cs:fillRef idx="0"/>
+    <cs:effectRef idx="0"/>
+    <cs:fontRef idx="minor">
+      <a:schemeClr val="tx1"/>
+    </cs:fontRef>
+    <cs:spPr>
+      <a:ln w="9525">
+        <a:solidFill>
+          <a:schemeClr val="lt1">
+            <a:lumMod val="95000"/>
+            <a:alpha val="54000"/>
+          </a:schemeClr>
+        </a:solidFill>
+        <a:prstDash val="dash"/>
+      </a:ln>
+    </cs:spPr>
+  </cs:hiLoLine>
+  <cs:leaderLine>
+    <cs:lnRef idx="0"/>
+    <cs:fillRef idx="0"/>
+    <cs:effectRef idx="0"/>
+    <cs:fontRef idx="minor">
+      <a:schemeClr val="tx1"/>
+    </cs:fontRef>
+    <cs:spPr>
+      <a:ln w="9525">
+        <a:solidFill>
+          <a:schemeClr val="lt1">
+            <a:lumMod val="95000"/>
+            <a:alpha val="54000"/>
+          </a:schemeClr>
+        </a:solidFill>
+      </a:ln>
+    </cs:spPr>
+  </cs:leaderLine>
+  <cs:legend>
+    <cs:lnRef idx="0"/>
+    <cs:fillRef idx="0"/>
+    <cs:effectRef idx="0"/>
+    <cs:fontRef idx="minor">
+      <a:schemeClr val="lt1">
+        <a:lumMod val="85000"/>
+      </a:schemeClr>
+    </cs:fontRef>
+    <cs:defRPr sz="1197" kern="1200"/>
+  </cs:legend>
+  <cs:plotArea>
+    <cs:lnRef idx="0"/>
+    <cs:fillRef idx="0"/>
+    <cs:effectRef idx="0"/>
+    <cs:fontRef idx="minor">
+      <a:schemeClr val="tx1"/>
+    </cs:fontRef>
+  </cs:plotArea>
+  <cs:plotArea3D>
+    <cs:lnRef idx="0"/>
+    <cs:fillRef idx="0"/>
+    <cs:effectRef idx="0"/>
+    <cs:fontRef idx="minor">
+      <a:schemeClr val="tx1"/>
+    </cs:fontRef>
+  </cs:plotArea3D>
+  <cs:seriesAxis>
+    <cs:lnRef idx="0"/>
+    <cs:fillRef idx="0"/>
+    <cs:effectRef idx="0"/>
+    <cs:fontRef idx="minor">
+      <a:schemeClr val="lt1">
+        <a:lumMod val="85000"/>
+      </a:schemeClr>
+    </cs:fontRef>
+    <cs:spPr>
+      <a:ln w="12700" cap="flat" cmpd="sng" algn="ctr">
+        <a:solidFill>
+          <a:schemeClr val="lt1">
+            <a:lumMod val="95000"/>
+            <a:alpha val="54000"/>
+          </a:schemeClr>
+        </a:solidFill>
+        <a:round/>
+      </a:ln>
+    </cs:spPr>
+    <cs:defRPr sz="1197" kern="1200"/>
+  </cs:seriesAxis>
+  <cs:seriesLine>
+    <cs:lnRef idx="0"/>
+    <cs:fillRef idx="0"/>
+    <cs:effectRef idx="0"/>
+    <cs:fontRef idx="minor">
+      <a:schemeClr val="lt1"/>
+    </cs:fontRef>
+    <cs:spPr>
+      <a:ln w="9525" cap="flat" cmpd="sng" algn="ctr">
+        <a:solidFill>
+          <a:schemeClr val="lt1">
+            <a:lumMod val="95000"/>
+            <a:alpha val="54000"/>
+          </a:schemeClr>
+        </a:solidFill>
+        <a:round/>
+      </a:ln>
+    </cs:spPr>
+  </cs:seriesLine>
+  <cs:title>
+    <cs:lnRef idx="0"/>
+    <cs:fillRef idx="0"/>
+    <cs:effectRef idx="0"/>
+    <cs:fontRef idx="minor">
+      <a:schemeClr val="lt1">
+        <a:lumMod val="95000"/>
+      </a:schemeClr>
+    </cs:fontRef>
+    <cs:defRPr sz="2128" b="1" kern="1200" spc="100" baseline="0">
+      <a:effectLst>
+        <a:outerShdw blurRad="50800" dist="38100" dir="5400000" algn="t" rotWithShape="0">
+          <a:prstClr val="black">
+            <a:alpha val="40000"/>
+          </a:prstClr>
+        </a:outerShdw>
+      </a:effectLst>
+    </cs:defRPr>
+  </cs:title>
+  <cs:trendline>
+    <cs:lnRef idx="0">
+      <cs:styleClr val="auto"/>
+    </cs:lnRef>
+    <cs:fillRef idx="0"/>
+    <cs:effectRef idx="0"/>
+    <cs:fontRef idx="minor">
+      <a:schemeClr val="tx1"/>
+    </cs:fontRef>
+    <cs:spPr>
+      <a:ln w="19050" cap="rnd">
+        <a:solidFill>
+          <a:schemeClr val="phClr"/>
+        </a:solidFill>
+      </a:ln>
+    </cs:spPr>
+  </cs:trendline>
+  <cs:trendlineLabel>
+    <cs:lnRef idx="0"/>
+    <cs:fillRef idx="0"/>
+    <cs:effectRef idx="0"/>
+    <cs:fontRef idx="minor">
+      <a:schemeClr val="lt1">
+        <a:lumMod val="85000"/>
+      </a:schemeClr>
+    </cs:fontRef>
+    <cs:defRPr sz="1197" kern="1200"/>
+  </cs:trendlineLabel>
+  <cs:upBar>
+    <cs:lnRef idx="0"/>
+    <cs:fillRef idx="0"/>
+    <cs:effectRef idx="0"/>
+    <cs:fontRef idx="minor">
+      <a:schemeClr val="tx1"/>
+    </cs:fontRef>
+    <cs:spPr>
+      <a:solidFill>
+        <a:schemeClr val="lt1"/>
+      </a:solidFill>
+      <a:ln w="9525">
+        <a:solidFill>
+          <a:schemeClr val="lt1">
+            <a:lumMod val="95000"/>
+            <a:alpha val="54000"/>
+          </a:schemeClr>
+        </a:solidFill>
+      </a:ln>
+    </cs:spPr>
+  </cs:upBar>
+  <cs:valueAxis>
+    <cs:lnRef idx="0"/>
+    <cs:fillRef idx="0"/>
+    <cs:effectRef idx="0"/>
+    <cs:fontRef idx="minor">
+      <a:schemeClr val="lt1">
+        <a:lumMod val="85000"/>
+      </a:schemeClr>
+    </cs:fontRef>
+    <cs:defRPr sz="1197" kern="1200"/>
+  </cs:valueAxis>
+  <cs:wall>
+    <cs:lnRef idx="0"/>
+    <cs:fillRef idx="0"/>
+    <cs:effectRef idx="0"/>
+    <cs:fontRef idx="minor">
+      <a:schemeClr val="tx1"/>
+    </cs:fontRef>
+  </cs:wall>
+</cs:chartStyle>
+</file>
+
 <file path=ppt/slideLayouts/slideLayout1.xml><?xml version="1.0" encoding="utf-8"?>
 <p:sldLayout xmlns:a="http://schemas.openxmlformats.org/drawingml/2006/main" xmlns:r="http://schemas.openxmlformats.org/officeDocument/2006/relationships" xmlns:p="http://schemas.openxmlformats.org/presentationml/2006/main" showMasterSp="0" type="title" preserve="1">
   <p:cSld name="Title Slide">
@@ -618,7 +2193,7 @@
           <a:p>
             <a:fld id="{2E3F47AE-4804-4655-8D11-C2BEE1A314EC}" type="datetimeFigureOut">
               <a:rPr lang="en-GB" smtClean="0"/>
-              <a:t>30/11/2021</a:t>
+              <a:t>12/12/2021</a:t>
             </a:fld>
             <a:endParaRPr lang="en-GB"/>
           </a:p>
@@ -914,7 +2489,7 @@
           <a:p>
             <a:fld id="{2E3F47AE-4804-4655-8D11-C2BEE1A314EC}" type="datetimeFigureOut">
               <a:rPr lang="en-GB" smtClean="0"/>
-              <a:t>30/11/2021</a:t>
+              <a:t>12/12/2021</a:t>
             </a:fld>
             <a:endParaRPr lang="en-GB"/>
           </a:p>
@@ -1162,7 +2737,7 @@
           <a:p>
             <a:fld id="{2E3F47AE-4804-4655-8D11-C2BEE1A314EC}" type="datetimeFigureOut">
               <a:rPr lang="en-GB" smtClean="0"/>
-              <a:t>30/11/2021</a:t>
+              <a:t>12/12/2021</a:t>
             </a:fld>
             <a:endParaRPr lang="en-GB"/>
           </a:p>
@@ -1702,7 +3277,7 @@
           <a:p>
             <a:fld id="{2E3F47AE-4804-4655-8D11-C2BEE1A314EC}" type="datetimeFigureOut">
               <a:rPr lang="en-GB" smtClean="0"/>
-              <a:t>30/11/2021</a:t>
+              <a:t>12/12/2021</a:t>
             </a:fld>
             <a:endParaRPr lang="en-GB"/>
           </a:p>
@@ -1950,7 +3525,7 @@
           <a:p>
             <a:fld id="{2E3F47AE-4804-4655-8D11-C2BEE1A314EC}" type="datetimeFigureOut">
               <a:rPr lang="en-GB" smtClean="0"/>
-              <a:t>30/11/2021</a:t>
+              <a:t>12/12/2021</a:t>
             </a:fld>
             <a:endParaRPr lang="en-GB"/>
           </a:p>
@@ -2482,7 +4057,7 @@
           <a:p>
             <a:fld id="{2E3F47AE-4804-4655-8D11-C2BEE1A314EC}" type="datetimeFigureOut">
               <a:rPr lang="en-GB" smtClean="0"/>
-              <a:t>30/11/2021</a:t>
+              <a:t>12/12/2021</a:t>
             </a:fld>
             <a:endParaRPr lang="en-GB"/>
           </a:p>
@@ -2779,7 +4354,7 @@
           <a:p>
             <a:fld id="{2E3F47AE-4804-4655-8D11-C2BEE1A314EC}" type="datetimeFigureOut">
               <a:rPr lang="en-GB" smtClean="0"/>
-              <a:t>30/11/2021</a:t>
+              <a:t>12/12/2021</a:t>
             </a:fld>
             <a:endParaRPr lang="en-GB"/>
           </a:p>
@@ -2953,7 +4528,7 @@
           <a:p>
             <a:fld id="{2E3F47AE-4804-4655-8D11-C2BEE1A314EC}" type="datetimeFigureOut">
               <a:rPr lang="en-GB" smtClean="0"/>
-              <a:t>30/11/2021</a:t>
+              <a:t>12/12/2021</a:t>
             </a:fld>
             <a:endParaRPr lang="en-GB"/>
           </a:p>
@@ -3133,7 +4708,7 @@
           <a:p>
             <a:fld id="{2E3F47AE-4804-4655-8D11-C2BEE1A314EC}" type="datetimeFigureOut">
               <a:rPr lang="en-GB" smtClean="0"/>
-              <a:t>30/11/2021</a:t>
+              <a:t>12/12/2021</a:t>
             </a:fld>
             <a:endParaRPr lang="en-GB"/>
           </a:p>
@@ -3303,7 +4878,7 @@
           <a:p>
             <a:fld id="{2E3F47AE-4804-4655-8D11-C2BEE1A314EC}" type="datetimeFigureOut">
               <a:rPr lang="en-GB" smtClean="0"/>
-              <a:t>30/11/2021</a:t>
+              <a:t>12/12/2021</a:t>
             </a:fld>
             <a:endParaRPr lang="en-GB"/>
           </a:p>
@@ -3554,7 +5129,7 @@
           <a:p>
             <a:fld id="{2E3F47AE-4804-4655-8D11-C2BEE1A314EC}" type="datetimeFigureOut">
               <a:rPr lang="en-GB" smtClean="0"/>
-              <a:t>30/11/2021</a:t>
+              <a:t>12/12/2021</a:t>
             </a:fld>
             <a:endParaRPr lang="en-GB"/>
           </a:p>
@@ -3851,7 +5426,7 @@
           <a:p>
             <a:fld id="{2E3F47AE-4804-4655-8D11-C2BEE1A314EC}" type="datetimeFigureOut">
               <a:rPr lang="en-GB" smtClean="0"/>
-              <a:t>30/11/2021</a:t>
+              <a:t>12/12/2021</a:t>
             </a:fld>
             <a:endParaRPr lang="en-GB"/>
           </a:p>
@@ -4293,7 +5868,7 @@
           <a:p>
             <a:fld id="{2E3F47AE-4804-4655-8D11-C2BEE1A314EC}" type="datetimeFigureOut">
               <a:rPr lang="en-GB" smtClean="0"/>
-              <a:t>30/11/2021</a:t>
+              <a:t>12/12/2021</a:t>
             </a:fld>
             <a:endParaRPr lang="en-GB"/>
           </a:p>
@@ -4411,7 +5986,7 @@
           <a:p>
             <a:fld id="{2E3F47AE-4804-4655-8D11-C2BEE1A314EC}" type="datetimeFigureOut">
               <a:rPr lang="en-GB" smtClean="0"/>
-              <a:t>30/11/2021</a:t>
+              <a:t>12/12/2021</a:t>
             </a:fld>
             <a:endParaRPr lang="en-GB"/>
           </a:p>
@@ -4506,7 +6081,7 @@
           <a:p>
             <a:fld id="{2E3F47AE-4804-4655-8D11-C2BEE1A314EC}" type="datetimeFigureOut">
               <a:rPr lang="en-GB" smtClean="0"/>
-              <a:t>30/11/2021</a:t>
+              <a:t>12/12/2021</a:t>
             </a:fld>
             <a:endParaRPr lang="en-GB"/>
           </a:p>
@@ -4789,7 +6364,7 @@
           <a:p>
             <a:fld id="{2E3F47AE-4804-4655-8D11-C2BEE1A314EC}" type="datetimeFigureOut">
               <a:rPr lang="en-GB" smtClean="0"/>
-              <a:t>30/11/2021</a:t>
+              <a:t>12/12/2021</a:t>
             </a:fld>
             <a:endParaRPr lang="en-GB"/>
           </a:p>
@@ -5080,7 +6655,7 @@
           <a:p>
             <a:fld id="{2E3F47AE-4804-4655-8D11-C2BEE1A314EC}" type="datetimeFigureOut">
               <a:rPr lang="en-GB" smtClean="0"/>
-              <a:t>30/11/2021</a:t>
+              <a:t>12/12/2021</a:t>
             </a:fld>
             <a:endParaRPr lang="en-GB"/>
           </a:p>
@@ -5610,7 +7185,7 @@
           <a:p>
             <a:fld id="{2E3F47AE-4804-4655-8D11-C2BEE1A314EC}" type="datetimeFigureOut">
               <a:rPr lang="en-GB" smtClean="0"/>
-              <a:t>30/11/2021</a:t>
+              <a:t>12/12/2021</a:t>
             </a:fld>
             <a:endParaRPr lang="en-GB"/>
           </a:p>
@@ -7788,6 +9363,27 @@
 <file path=ppt/slides/slide5.xml><?xml version="1.0" encoding="utf-8"?>
 <p:sld xmlns:a="http://schemas.openxmlformats.org/drawingml/2006/main" xmlns:r="http://schemas.openxmlformats.org/officeDocument/2006/relationships" xmlns:p="http://schemas.openxmlformats.org/presentationml/2006/main">
   <p:cSld>
+    <p:bg>
+      <p:bgPr>
+        <a:blipFill rotWithShape="1">
+          <a:blip r:embed="rId2">
+            <a:duotone>
+              <a:schemeClr val="bg2">
+                <a:shade val="76000"/>
+                <a:satMod val="180000"/>
+              </a:schemeClr>
+              <a:schemeClr val="bg2">
+                <a:tint val="80000"/>
+                <a:satMod val="120000"/>
+                <a:lumMod val="180000"/>
+              </a:schemeClr>
+            </a:duotone>
+          </a:blip>
+          <a:stretch/>
+        </a:blipFill>
+        <a:effectLst/>
+      </p:bgPr>
+    </p:bg>
     <p:spTree>
       <p:nvGrpSpPr>
         <p:cNvPr id="1" name=""/>
@@ -7802,94 +9398,590 @@
           <a:chExt cx="0" cy="0"/>
         </a:xfrm>
       </p:grpSpPr>
-      <p:sp>
-        <p:nvSpPr>
-          <p:cNvPr id="2" name="Title 1"/>
-          <p:cNvSpPr>
-            <a:spLocks noGrp="1"/>
-          </p:cNvSpPr>
-          <p:nvPr>
-            <p:ph type="ctrTitle"/>
+      <p:grpSp>
+        <p:nvGrpSpPr>
+          <p:cNvPr id="44" name="Group 31">
+            <a:extLst>
+              <a:ext uri="{FF2B5EF4-FFF2-40B4-BE49-F238E27FC236}">
+                <a16:creationId xmlns:a16="http://schemas.microsoft.com/office/drawing/2014/main" id="{089D35B1-0ED5-4358-8CAE-A9E49412AAA1}"/>
+              </a:ext>
+              <a:ext uri="{C183D7F6-B498-43B3-948B-1728B52AA6E4}">
+                <adec:decorative xmlns:adec="http://schemas.microsoft.com/office/drawing/2017/decorative" val="1"/>
+              </a:ext>
+            </a:extLst>
+          </p:cNvPr>
+          <p:cNvGrpSpPr>
+            <a:grpSpLocks noGrp="1" noUngrp="1" noRot="1" noChangeAspect="1" noMove="1" noResize="1"/>
+          </p:cNvGrpSpPr>
+          <p:nvPr>
+            <p:extLst>
+              <p:ext uri="{386F3935-93C4-4BCD-93E2-E3B085C9AB24}">
+                <p16:designElem xmlns:p16="http://schemas.microsoft.com/office/powerpoint/2015/main" val="1"/>
+              </p:ext>
+            </p:extLst>
+          </p:nvPr>
+        </p:nvGrpSpPr>
+        <p:grpSpPr>
+          <a:xfrm>
+            <a:off x="150812" y="0"/>
+            <a:ext cx="2436813" cy="6858001"/>
+            <a:chOff x="1320800" y="0"/>
+            <a:chExt cx="2436813" cy="6858001"/>
+          </a:xfrm>
+        </p:grpSpPr>
+        <p:sp>
+          <p:nvSpPr>
+            <p:cNvPr id="33" name="Freeform 6">
+              <a:extLst>
+                <a:ext uri="{FF2B5EF4-FFF2-40B4-BE49-F238E27FC236}">
+                  <a16:creationId xmlns:a16="http://schemas.microsoft.com/office/drawing/2014/main" id="{DDEF6545-5A42-469E-8778-86CA01CD461E}"/>
+                </a:ext>
+                <a:ext uri="{C183D7F6-B498-43B3-948B-1728B52AA6E4}">
+                  <adec:decorative xmlns:adec="http://schemas.microsoft.com/office/drawing/2017/decorative" val="1"/>
+                </a:ext>
+              </a:extLst>
+            </p:cNvPr>
+            <p:cNvSpPr/>
+            <p:nvPr>
+              <p:extLst>
+                <p:ext uri="{386F3935-93C4-4BCD-93E2-E3B085C9AB24}">
+                  <p16:designElem xmlns:p16="http://schemas.microsoft.com/office/powerpoint/2015/main" val="1"/>
+                </p:ext>
+              </p:extLst>
+            </p:nvPr>
+          </p:nvSpPr>
+          <p:spPr bwMode="auto">
+            <a:xfrm>
+              <a:off x="1627188" y="0"/>
+              <a:ext cx="1122363" cy="5329238"/>
+            </a:xfrm>
+            <a:custGeom>
+              <a:avLst/>
+              <a:gdLst/>
+              <a:ahLst/>
+              <a:cxnLst/>
+              <a:rect l="0" t="0" r="r" b="b"/>
+              <a:pathLst>
+                <a:path w="707" h="3357">
+                  <a:moveTo>
+                    <a:pt x="0" y="3330"/>
+                  </a:moveTo>
+                  <a:lnTo>
+                    <a:pt x="156" y="3357"/>
+                  </a:lnTo>
+                  <a:lnTo>
+                    <a:pt x="707" y="0"/>
+                  </a:lnTo>
+                  <a:lnTo>
+                    <a:pt x="547" y="0"/>
+                  </a:lnTo>
+                  <a:lnTo>
+                    <a:pt x="0" y="3330"/>
+                  </a:lnTo>
+                  <a:close/>
+                </a:path>
+              </a:pathLst>
+            </a:custGeom>
+            <a:solidFill>
+              <a:schemeClr val="accent1"/>
+            </a:solidFill>
+            <a:ln>
+              <a:noFill/>
+            </a:ln>
+          </p:spPr>
+        </p:sp>
+        <p:sp>
+          <p:nvSpPr>
+            <p:cNvPr id="34" name="Freeform 7">
+              <a:extLst>
+                <a:ext uri="{FF2B5EF4-FFF2-40B4-BE49-F238E27FC236}">
+                  <a16:creationId xmlns:a16="http://schemas.microsoft.com/office/drawing/2014/main" id="{3B08853F-842C-4D0A-9A89-D05CB3990377}"/>
+                </a:ext>
+                <a:ext uri="{C183D7F6-B498-43B3-948B-1728B52AA6E4}">
+                  <adec:decorative xmlns:adec="http://schemas.microsoft.com/office/drawing/2017/decorative" val="1"/>
+                </a:ext>
+              </a:extLst>
+            </p:cNvPr>
+            <p:cNvSpPr/>
+            <p:nvPr>
+              <p:extLst>
+                <p:ext uri="{386F3935-93C4-4BCD-93E2-E3B085C9AB24}">
+                  <p16:designElem xmlns:p16="http://schemas.microsoft.com/office/powerpoint/2015/main" val="1"/>
+                </p:ext>
+              </p:extLst>
+            </p:nvPr>
+          </p:nvSpPr>
+          <p:spPr bwMode="auto">
+            <a:xfrm>
+              <a:off x="1320800" y="0"/>
+              <a:ext cx="1117600" cy="5276850"/>
+            </a:xfrm>
+            <a:custGeom>
+              <a:avLst/>
+              <a:gdLst/>
+              <a:ahLst/>
+              <a:cxnLst/>
+              <a:rect l="0" t="0" r="r" b="b"/>
+              <a:pathLst>
+                <a:path w="704" h="3324">
+                  <a:moveTo>
+                    <a:pt x="704" y="0"/>
+                  </a:moveTo>
+                  <a:lnTo>
+                    <a:pt x="545" y="0"/>
+                  </a:lnTo>
+                  <a:lnTo>
+                    <a:pt x="0" y="3300"/>
+                  </a:lnTo>
+                  <a:lnTo>
+                    <a:pt x="157" y="3324"/>
+                  </a:lnTo>
+                  <a:lnTo>
+                    <a:pt x="704" y="0"/>
+                  </a:lnTo>
+                  <a:close/>
+                </a:path>
+              </a:pathLst>
+            </a:custGeom>
+            <a:solidFill>
+              <a:schemeClr val="tx1">
+                <a:lumMod val="65000"/>
+                <a:lumOff val="35000"/>
+              </a:schemeClr>
+            </a:solidFill>
+            <a:ln>
+              <a:noFill/>
+            </a:ln>
+          </p:spPr>
+        </p:sp>
+        <p:sp>
+          <p:nvSpPr>
+            <p:cNvPr id="35" name="Freeform 8">
+              <a:extLst>
+                <a:ext uri="{FF2B5EF4-FFF2-40B4-BE49-F238E27FC236}">
+                  <a16:creationId xmlns:a16="http://schemas.microsoft.com/office/drawing/2014/main" id="{A436FB18-2D01-4AAB-AD10-2D1208310FE4}"/>
+                </a:ext>
+                <a:ext uri="{C183D7F6-B498-43B3-948B-1728B52AA6E4}">
+                  <adec:decorative xmlns:adec="http://schemas.microsoft.com/office/drawing/2017/decorative" val="1"/>
+                </a:ext>
+              </a:extLst>
+            </p:cNvPr>
+            <p:cNvSpPr/>
+            <p:nvPr>
+              <p:extLst>
+                <p:ext uri="{386F3935-93C4-4BCD-93E2-E3B085C9AB24}">
+                  <p16:designElem xmlns:p16="http://schemas.microsoft.com/office/powerpoint/2015/main" val="1"/>
+                </p:ext>
+              </p:extLst>
+            </p:nvPr>
+          </p:nvSpPr>
+          <p:spPr bwMode="auto">
+            <a:xfrm>
+              <a:off x="1320800" y="5238750"/>
+              <a:ext cx="1228725" cy="1619250"/>
+            </a:xfrm>
+            <a:custGeom>
+              <a:avLst/>
+              <a:gdLst/>
+              <a:ahLst/>
+              <a:cxnLst/>
+              <a:rect l="0" t="0" r="r" b="b"/>
+              <a:pathLst>
+                <a:path w="774" h="1020">
+                  <a:moveTo>
+                    <a:pt x="0" y="0"/>
+                  </a:moveTo>
+                  <a:lnTo>
+                    <a:pt x="740" y="1020"/>
+                  </a:lnTo>
+                  <a:lnTo>
+                    <a:pt x="774" y="1020"/>
+                  </a:lnTo>
+                  <a:lnTo>
+                    <a:pt x="0" y="0"/>
+                  </a:lnTo>
+                  <a:close/>
+                </a:path>
+              </a:pathLst>
+            </a:custGeom>
+            <a:solidFill>
+              <a:schemeClr val="tx1">
+                <a:lumMod val="85000"/>
+                <a:lumOff val="15000"/>
+              </a:schemeClr>
+            </a:solidFill>
+            <a:ln>
+              <a:noFill/>
+            </a:ln>
+          </p:spPr>
+        </p:sp>
+        <p:sp>
+          <p:nvSpPr>
+            <p:cNvPr id="36" name="Freeform 9">
+              <a:extLst>
+                <a:ext uri="{FF2B5EF4-FFF2-40B4-BE49-F238E27FC236}">
+                  <a16:creationId xmlns:a16="http://schemas.microsoft.com/office/drawing/2014/main" id="{9EFB8341-7A7B-46E4-AF94-689147AD0567}"/>
+                </a:ext>
+                <a:ext uri="{C183D7F6-B498-43B3-948B-1728B52AA6E4}">
+                  <adec:decorative xmlns:adec="http://schemas.microsoft.com/office/drawing/2017/decorative" val="1"/>
+                </a:ext>
+              </a:extLst>
+            </p:cNvPr>
+            <p:cNvSpPr/>
+            <p:nvPr>
+              <p:extLst>
+                <p:ext uri="{386F3935-93C4-4BCD-93E2-E3B085C9AB24}">
+                  <p16:designElem xmlns:p16="http://schemas.microsoft.com/office/powerpoint/2015/main" val="1"/>
+                </p:ext>
+              </p:extLst>
+            </p:nvPr>
+          </p:nvSpPr>
+          <p:spPr bwMode="auto">
+            <a:xfrm>
+              <a:off x="1627188" y="5291138"/>
+              <a:ext cx="1495425" cy="1566863"/>
+            </a:xfrm>
+            <a:custGeom>
+              <a:avLst/>
+              <a:gdLst/>
+              <a:ahLst/>
+              <a:cxnLst/>
+              <a:rect l="0" t="0" r="r" b="b"/>
+              <a:pathLst>
+                <a:path w="942" h="987">
+                  <a:moveTo>
+                    <a:pt x="0" y="0"/>
+                  </a:moveTo>
+                  <a:lnTo>
+                    <a:pt x="909" y="987"/>
+                  </a:lnTo>
+                  <a:lnTo>
+                    <a:pt x="942" y="987"/>
+                  </a:lnTo>
+                  <a:lnTo>
+                    <a:pt x="0" y="0"/>
+                  </a:lnTo>
+                  <a:close/>
+                </a:path>
+              </a:pathLst>
+            </a:custGeom>
+            <a:solidFill>
+              <a:schemeClr val="accent1">
+                <a:lumMod val="50000"/>
+              </a:schemeClr>
+            </a:solidFill>
+            <a:ln>
+              <a:noFill/>
+            </a:ln>
+          </p:spPr>
+        </p:sp>
+        <p:sp>
+          <p:nvSpPr>
+            <p:cNvPr id="37" name="Freeform 10">
+              <a:extLst>
+                <a:ext uri="{FF2B5EF4-FFF2-40B4-BE49-F238E27FC236}">
+                  <a16:creationId xmlns:a16="http://schemas.microsoft.com/office/drawing/2014/main" id="{C4D84136-7804-4605-AC9F-238A3665EED7}"/>
+                </a:ext>
+                <a:ext uri="{C183D7F6-B498-43B3-948B-1728B52AA6E4}">
+                  <adec:decorative xmlns:adec="http://schemas.microsoft.com/office/drawing/2017/decorative" val="1"/>
+                </a:ext>
+              </a:extLst>
+            </p:cNvPr>
+            <p:cNvSpPr/>
+            <p:nvPr>
+              <p:extLst>
+                <p:ext uri="{386F3935-93C4-4BCD-93E2-E3B085C9AB24}">
+                  <p16:designElem xmlns:p16="http://schemas.microsoft.com/office/powerpoint/2015/main" val="1"/>
+                </p:ext>
+              </p:extLst>
+            </p:nvPr>
+          </p:nvSpPr>
+          <p:spPr bwMode="auto">
+            <a:xfrm>
+              <a:off x="1627188" y="5286375"/>
+              <a:ext cx="2130425" cy="1571625"/>
+            </a:xfrm>
+            <a:custGeom>
+              <a:avLst/>
+              <a:gdLst/>
+              <a:ahLst/>
+              <a:cxnLst/>
+              <a:rect l="0" t="0" r="r" b="b"/>
+              <a:pathLst>
+                <a:path w="1342" h="990">
+                  <a:moveTo>
+                    <a:pt x="0" y="3"/>
+                  </a:moveTo>
+                  <a:lnTo>
+                    <a:pt x="942" y="990"/>
+                  </a:lnTo>
+                  <a:lnTo>
+                    <a:pt x="1342" y="990"/>
+                  </a:lnTo>
+                  <a:lnTo>
+                    <a:pt x="156" y="27"/>
+                  </a:lnTo>
+                  <a:lnTo>
+                    <a:pt x="0" y="0"/>
+                  </a:lnTo>
+                  <a:lnTo>
+                    <a:pt x="0" y="3"/>
+                  </a:lnTo>
+                  <a:close/>
+                </a:path>
+              </a:pathLst>
+            </a:custGeom>
+            <a:solidFill>
+              <a:schemeClr val="accent1">
+                <a:lumMod val="75000"/>
+              </a:schemeClr>
+            </a:solidFill>
+            <a:ln>
+              <a:noFill/>
+            </a:ln>
+          </p:spPr>
+        </p:sp>
+        <p:sp>
+          <p:nvSpPr>
+            <p:cNvPr id="38" name="Freeform 11">
+              <a:extLst>
+                <a:ext uri="{FF2B5EF4-FFF2-40B4-BE49-F238E27FC236}">
+                  <a16:creationId xmlns:a16="http://schemas.microsoft.com/office/drawing/2014/main" id="{4EC6F81C-51C2-4A6F-8B94-562DA6736220}"/>
+                </a:ext>
+                <a:ext uri="{C183D7F6-B498-43B3-948B-1728B52AA6E4}">
+                  <adec:decorative xmlns:adec="http://schemas.microsoft.com/office/drawing/2017/decorative" val="1"/>
+                </a:ext>
+              </a:extLst>
+            </p:cNvPr>
+            <p:cNvSpPr/>
+            <p:nvPr>
+              <p:extLst>
+                <p:ext uri="{386F3935-93C4-4BCD-93E2-E3B085C9AB24}">
+                  <p16:designElem xmlns:p16="http://schemas.microsoft.com/office/powerpoint/2015/main" val="1"/>
+                </p:ext>
+              </p:extLst>
+            </p:nvPr>
+          </p:nvSpPr>
+          <p:spPr bwMode="auto">
+            <a:xfrm>
+              <a:off x="1320800" y="5238750"/>
+              <a:ext cx="1695450" cy="1619250"/>
+            </a:xfrm>
+            <a:custGeom>
+              <a:avLst/>
+              <a:gdLst/>
+              <a:ahLst/>
+              <a:cxnLst/>
+              <a:rect l="0" t="0" r="r" b="b"/>
+              <a:pathLst>
+                <a:path w="1068" h="1020">
+                  <a:moveTo>
+                    <a:pt x="1068" y="1020"/>
+                  </a:moveTo>
+                  <a:lnTo>
+                    <a:pt x="184" y="60"/>
+                  </a:lnTo>
+                  <a:lnTo>
+                    <a:pt x="154" y="27"/>
+                  </a:lnTo>
+                  <a:lnTo>
+                    <a:pt x="157" y="27"/>
+                  </a:lnTo>
+                  <a:lnTo>
+                    <a:pt x="157" y="24"/>
+                  </a:lnTo>
+                  <a:lnTo>
+                    <a:pt x="154" y="24"/>
+                  </a:lnTo>
+                  <a:lnTo>
+                    <a:pt x="0" y="0"/>
+                  </a:lnTo>
+                  <a:lnTo>
+                    <a:pt x="0" y="0"/>
+                  </a:lnTo>
+                  <a:lnTo>
+                    <a:pt x="774" y="1020"/>
+                  </a:lnTo>
+                  <a:lnTo>
+                    <a:pt x="1068" y="1020"/>
+                  </a:lnTo>
+                  <a:close/>
+                </a:path>
+              </a:pathLst>
+            </a:custGeom>
+            <a:solidFill>
+              <a:schemeClr val="tx1">
+                <a:lumMod val="75000"/>
+                <a:lumOff val="25000"/>
+              </a:schemeClr>
+            </a:solidFill>
+            <a:ln>
+              <a:noFill/>
+            </a:ln>
+          </p:spPr>
+        </p:sp>
+      </p:grpSp>
+      <p:sp>
+        <p:nvSpPr>
+          <p:cNvPr id="45" name="Rectangle 39">
+            <a:extLst>
+              <a:ext uri="{FF2B5EF4-FFF2-40B4-BE49-F238E27FC236}">
+                <a16:creationId xmlns:a16="http://schemas.microsoft.com/office/drawing/2014/main" id="{7E123AAE-7C5D-4EC5-B570-7141C9405CE2}"/>
+              </a:ext>
+              <a:ext uri="{C183D7F6-B498-43B3-948B-1728B52AA6E4}">
+                <adec:decorative xmlns:adec="http://schemas.microsoft.com/office/drawing/2017/decorative" val="1"/>
+              </a:ext>
+            </a:extLst>
+          </p:cNvPr>
+          <p:cNvSpPr>
+            <a:spLocks noGrp="1" noRot="1" noChangeAspect="1" noMove="1" noResize="1" noEditPoints="1" noAdjustHandles="1" noChangeArrowheads="1" noChangeShapeType="1" noTextEdit="1"/>
+          </p:cNvSpPr>
+          <p:nvPr>
+            <p:extLst>
+              <p:ext uri="{386F3935-93C4-4BCD-93E2-E3B085C9AB24}">
+                <p16:designElem xmlns:p16="http://schemas.microsoft.com/office/powerpoint/2015/main" val="1"/>
+              </p:ext>
+            </p:extLst>
           </p:nvPr>
         </p:nvSpPr>
         <p:spPr>
           <a:xfrm>
-            <a:off x="2928401" y="1380069"/>
-            <a:ext cx="8574622" cy="788974"/>
+            <a:off x="0" y="0"/>
+            <a:ext cx="12192000" cy="6858000"/>
           </a:xfrm>
+          <a:prstGeom prst="rect">
+            <a:avLst/>
+          </a:prstGeom>
+          <a:solidFill>
+            <a:schemeClr val="bg2"/>
+          </a:solidFill>
+          <a:ln>
+            <a:noFill/>
+          </a:ln>
         </p:spPr>
-        <p:txBody>
-          <a:bodyPr>
-            <a:normAutofit fontScale="90000"/>
-          </a:bodyPr>
+        <p:style>
+          <a:lnRef idx="2">
+            <a:schemeClr val="accent1">
+              <a:shade val="50000"/>
+            </a:schemeClr>
+          </a:lnRef>
+          <a:fillRef idx="1">
+            <a:schemeClr val="accent1"/>
+          </a:fillRef>
+          <a:effectRef idx="0">
+            <a:schemeClr val="accent1"/>
+          </a:effectRef>
+          <a:fontRef idx="minor">
+            <a:schemeClr val="lt1"/>
+          </a:fontRef>
+        </p:style>
+        <p:txBody>
+          <a:bodyPr rtlCol="0" anchor="ctr"/>
           <a:lstStyle/>
           <a:p>
-            <a:r>
-              <a:rPr lang="en-GB" dirty="0">
-                <a:solidFill>
-                  <a:srgbClr val="C00000"/>
-                </a:solidFill>
-              </a:rPr>
-              <a:t>Work Plan</a:t>
-            </a:r>
-          </a:p>
-        </p:txBody>
-      </p:sp>
-      <p:sp>
-        <p:nvSpPr>
-          <p:cNvPr id="3" name="Subtitle 2"/>
-          <p:cNvSpPr>
-            <a:spLocks noGrp="1"/>
-          </p:cNvSpPr>
-          <p:nvPr>
-            <p:ph type="subTitle" idx="1"/>
+            <a:pPr algn="ctr"/>
+            <a:endParaRPr lang="en-US"/>
+          </a:p>
+        </p:txBody>
+      </p:sp>
+      <p:sp>
+        <p:nvSpPr>
+          <p:cNvPr id="46" name="Rectangle 41">
+            <a:extLst>
+              <a:ext uri="{FF2B5EF4-FFF2-40B4-BE49-F238E27FC236}">
+                <a16:creationId xmlns:a16="http://schemas.microsoft.com/office/drawing/2014/main" id="{EBE68FE8-33EE-42EC-8894-049237550257}"/>
+              </a:ext>
+              <a:ext uri="{C183D7F6-B498-43B3-948B-1728B52AA6E4}">
+                <adec:decorative xmlns:adec="http://schemas.microsoft.com/office/drawing/2017/decorative" val="1"/>
+              </a:ext>
+            </a:extLst>
+          </p:cNvPr>
+          <p:cNvSpPr>
+            <a:spLocks noGrp="1" noRot="1" noChangeAspect="1" noMove="1" noResize="1" noEditPoints="1" noAdjustHandles="1" noChangeArrowheads="1" noChangeShapeType="1" noTextEdit="1"/>
+          </p:cNvSpPr>
+          <p:nvPr>
+            <p:extLst>
+              <p:ext uri="{386F3935-93C4-4BCD-93E2-E3B085C9AB24}">
+                <p16:designElem xmlns:p16="http://schemas.microsoft.com/office/powerpoint/2015/main" val="1"/>
+              </p:ext>
+            </p:extLst>
           </p:nvPr>
         </p:nvSpPr>
         <p:spPr>
           <a:xfrm>
-            <a:off x="3763927" y="2371060"/>
-            <a:ext cx="7739096" cy="3013741"/>
+            <a:off x="477012" y="480060"/>
+            <a:ext cx="11237976" cy="5897880"/>
           </a:xfrm>
+          <a:prstGeom prst="rect">
+            <a:avLst/>
+          </a:prstGeom>
+          <a:solidFill>
+            <a:srgbClr val="FFFFFF"/>
+          </a:solidFill>
+          <a:ln w="9525">
+            <a:noFill/>
+          </a:ln>
+          <a:effectLst>
+            <a:outerShdw blurRad="63500" dist="17780" dir="5400000" algn="t" rotWithShape="0">
+              <a:prstClr val="black">
+                <a:alpha val="43000"/>
+              </a:prstClr>
+            </a:outerShdw>
+          </a:effectLst>
         </p:spPr>
-        <p:txBody>
-          <a:bodyPr>
-            <a:normAutofit/>
-          </a:bodyPr>
+        <p:style>
+          <a:lnRef idx="2">
+            <a:schemeClr val="accent1">
+              <a:shade val="50000"/>
+            </a:schemeClr>
+          </a:lnRef>
+          <a:fillRef idx="1">
+            <a:schemeClr val="accent1"/>
+          </a:fillRef>
+          <a:effectRef idx="0">
+            <a:schemeClr val="accent1"/>
+          </a:effectRef>
+          <a:fontRef idx="minor">
+            <a:schemeClr val="lt1"/>
+          </a:fontRef>
+        </p:style>
+        <p:txBody>
+          <a:bodyPr rtlCol="0" anchor="ctr"/>
           <a:lstStyle/>
           <a:p>
-            <a:pPr algn="l"/>
-            <a:r>
-              <a:rPr lang="en-US" dirty="0"/>
-              <a:t>Show a Gantt Chart of the set of remaining activities.</a:t>
-            </a:r>
-          </a:p>
-          <a:p>
-            <a:pPr marL="342900" indent="-342900" algn="l">
-              <a:buFont typeface="Arial" panose="020B0604020202020204" pitchFamily="34" charset="0"/>
-              <a:buChar char="•"/>
-            </a:pPr>
-            <a:r>
-              <a:rPr lang="en-US" dirty="0"/>
-              <a:t>Don’t forget to include your dissertation document and any other deliverables.</a:t>
-            </a:r>
-          </a:p>
-          <a:p>
-            <a:pPr marL="342900" indent="-342900" algn="l">
-              <a:buFont typeface="Arial" panose="020B0604020202020204" pitchFamily="34" charset="0"/>
-              <a:buChar char="•"/>
-            </a:pPr>
-            <a:endParaRPr lang="en-US" dirty="0"/>
-          </a:p>
-          <a:p>
-            <a:pPr algn="l"/>
-            <a:endParaRPr lang="en-US" dirty="0"/>
-          </a:p>
-          <a:p>
-            <a:pPr algn="l"/>
-            <a:endParaRPr lang="en-GB" dirty="0"/>
-          </a:p>
-        </p:txBody>
-      </p:sp>
+            <a:pPr algn="ctr"/>
+            <a:endParaRPr lang="en-US"/>
+          </a:p>
+        </p:txBody>
+      </p:sp>
+      <p:graphicFrame>
+        <p:nvGraphicFramePr>
+          <p:cNvPr id="27" name="Chart 26">
+            <a:extLst>
+              <a:ext uri="{FF2B5EF4-FFF2-40B4-BE49-F238E27FC236}">
+                <a16:creationId xmlns:a16="http://schemas.microsoft.com/office/drawing/2014/main" id="{510F3C56-D666-474F-8DA7-28AC646F71D3}"/>
+              </a:ext>
+            </a:extLst>
+          </p:cNvPr>
+          <p:cNvGraphicFramePr/>
+          <p:nvPr>
+            <p:extLst>
+              <p:ext uri="{D42A27DB-BD31-4B8C-83A1-F6EECF244321}">
+                <p14:modId xmlns:p14="http://schemas.microsoft.com/office/powerpoint/2010/main" val="3702426391"/>
+              </p:ext>
+            </p:extLst>
+          </p:nvPr>
+        </p:nvGraphicFramePr>
+        <p:xfrm>
+          <a:off x="643467" y="643467"/>
+          <a:ext cx="10905066" cy="5571066"/>
+        </p:xfrm>
+        <a:graphic>
+          <a:graphicData uri="http://schemas.openxmlformats.org/drawingml/2006/chart">
+            <c:chart xmlns:c="http://schemas.openxmlformats.org/drawingml/2006/chart" xmlns:r="http://schemas.openxmlformats.org/officeDocument/2006/relationships" r:id="rId3"/>
+          </a:graphicData>
+        </a:graphic>
+      </p:graphicFrame>
     </p:spTree>
     <p:extLst>
       <p:ext uri="{BB962C8B-B14F-4D97-AF65-F5344CB8AC3E}">

--- a/Documents/Semester 1 Presentation.pptx
+++ b/Documents/Semester 1 Presentation.pptx
@@ -836,6 +836,9 @@
                 <c:pt idx="1">
                   <c:v>44621</c:v>
                 </c:pt>
+                <c:pt idx="2">
+                  <c:v>44621</c:v>
+                </c:pt>
                 <c:pt idx="3">
                   <c:v>44635</c:v>
                 </c:pt>
@@ -989,7 +992,7 @@
                 <c:formatCode>mmm\-yy</c:formatCode>
                 <c:ptCount val="5"/>
                 <c:pt idx="4">
-                  <c:v>44682</c:v>
+                  <c:v>44652</c:v>
                 </c:pt>
               </c:numCache>
             </c:numRef>
@@ -2193,7 +2196,7 @@
           <a:p>
             <a:fld id="{2E3F47AE-4804-4655-8D11-C2BEE1A314EC}" type="datetimeFigureOut">
               <a:rPr lang="en-GB" smtClean="0"/>
-              <a:t>12/12/2021</a:t>
+              <a:t>14/12/2021</a:t>
             </a:fld>
             <a:endParaRPr lang="en-GB"/>
           </a:p>
@@ -2489,7 +2492,7 @@
           <a:p>
             <a:fld id="{2E3F47AE-4804-4655-8D11-C2BEE1A314EC}" type="datetimeFigureOut">
               <a:rPr lang="en-GB" smtClean="0"/>
-              <a:t>12/12/2021</a:t>
+              <a:t>14/12/2021</a:t>
             </a:fld>
             <a:endParaRPr lang="en-GB"/>
           </a:p>
@@ -2737,7 +2740,7 @@
           <a:p>
             <a:fld id="{2E3F47AE-4804-4655-8D11-C2BEE1A314EC}" type="datetimeFigureOut">
               <a:rPr lang="en-GB" smtClean="0"/>
-              <a:t>12/12/2021</a:t>
+              <a:t>14/12/2021</a:t>
             </a:fld>
             <a:endParaRPr lang="en-GB"/>
           </a:p>
@@ -3277,7 +3280,7 @@
           <a:p>
             <a:fld id="{2E3F47AE-4804-4655-8D11-C2BEE1A314EC}" type="datetimeFigureOut">
               <a:rPr lang="en-GB" smtClean="0"/>
-              <a:t>12/12/2021</a:t>
+              <a:t>14/12/2021</a:t>
             </a:fld>
             <a:endParaRPr lang="en-GB"/>
           </a:p>
@@ -3525,7 +3528,7 @@
           <a:p>
             <a:fld id="{2E3F47AE-4804-4655-8D11-C2BEE1A314EC}" type="datetimeFigureOut">
               <a:rPr lang="en-GB" smtClean="0"/>
-              <a:t>12/12/2021</a:t>
+              <a:t>14/12/2021</a:t>
             </a:fld>
             <a:endParaRPr lang="en-GB"/>
           </a:p>
@@ -4057,7 +4060,7 @@
           <a:p>
             <a:fld id="{2E3F47AE-4804-4655-8D11-C2BEE1A314EC}" type="datetimeFigureOut">
               <a:rPr lang="en-GB" smtClean="0"/>
-              <a:t>12/12/2021</a:t>
+              <a:t>14/12/2021</a:t>
             </a:fld>
             <a:endParaRPr lang="en-GB"/>
           </a:p>
@@ -4354,7 +4357,7 @@
           <a:p>
             <a:fld id="{2E3F47AE-4804-4655-8D11-C2BEE1A314EC}" type="datetimeFigureOut">
               <a:rPr lang="en-GB" smtClean="0"/>
-              <a:t>12/12/2021</a:t>
+              <a:t>14/12/2021</a:t>
             </a:fld>
             <a:endParaRPr lang="en-GB"/>
           </a:p>
@@ -4528,7 +4531,7 @@
           <a:p>
             <a:fld id="{2E3F47AE-4804-4655-8D11-C2BEE1A314EC}" type="datetimeFigureOut">
               <a:rPr lang="en-GB" smtClean="0"/>
-              <a:t>12/12/2021</a:t>
+              <a:t>14/12/2021</a:t>
             </a:fld>
             <a:endParaRPr lang="en-GB"/>
           </a:p>
@@ -4708,7 +4711,7 @@
           <a:p>
             <a:fld id="{2E3F47AE-4804-4655-8D11-C2BEE1A314EC}" type="datetimeFigureOut">
               <a:rPr lang="en-GB" smtClean="0"/>
-              <a:t>12/12/2021</a:t>
+              <a:t>14/12/2021</a:t>
             </a:fld>
             <a:endParaRPr lang="en-GB"/>
           </a:p>
@@ -4878,7 +4881,7 @@
           <a:p>
             <a:fld id="{2E3F47AE-4804-4655-8D11-C2BEE1A314EC}" type="datetimeFigureOut">
               <a:rPr lang="en-GB" smtClean="0"/>
-              <a:t>12/12/2021</a:t>
+              <a:t>14/12/2021</a:t>
             </a:fld>
             <a:endParaRPr lang="en-GB"/>
           </a:p>
@@ -5129,7 +5132,7 @@
           <a:p>
             <a:fld id="{2E3F47AE-4804-4655-8D11-C2BEE1A314EC}" type="datetimeFigureOut">
               <a:rPr lang="en-GB" smtClean="0"/>
-              <a:t>12/12/2021</a:t>
+              <a:t>14/12/2021</a:t>
             </a:fld>
             <a:endParaRPr lang="en-GB"/>
           </a:p>
@@ -5426,7 +5429,7 @@
           <a:p>
             <a:fld id="{2E3F47AE-4804-4655-8D11-C2BEE1A314EC}" type="datetimeFigureOut">
               <a:rPr lang="en-GB" smtClean="0"/>
-              <a:t>12/12/2021</a:t>
+              <a:t>14/12/2021</a:t>
             </a:fld>
             <a:endParaRPr lang="en-GB"/>
           </a:p>
@@ -5868,7 +5871,7 @@
           <a:p>
             <a:fld id="{2E3F47AE-4804-4655-8D11-C2BEE1A314EC}" type="datetimeFigureOut">
               <a:rPr lang="en-GB" smtClean="0"/>
-              <a:t>12/12/2021</a:t>
+              <a:t>14/12/2021</a:t>
             </a:fld>
             <a:endParaRPr lang="en-GB"/>
           </a:p>
@@ -5986,7 +5989,7 @@
           <a:p>
             <a:fld id="{2E3F47AE-4804-4655-8D11-C2BEE1A314EC}" type="datetimeFigureOut">
               <a:rPr lang="en-GB" smtClean="0"/>
-              <a:t>12/12/2021</a:t>
+              <a:t>14/12/2021</a:t>
             </a:fld>
             <a:endParaRPr lang="en-GB"/>
           </a:p>
@@ -6081,7 +6084,7 @@
           <a:p>
             <a:fld id="{2E3F47AE-4804-4655-8D11-C2BEE1A314EC}" type="datetimeFigureOut">
               <a:rPr lang="en-GB" smtClean="0"/>
-              <a:t>12/12/2021</a:t>
+              <a:t>14/12/2021</a:t>
             </a:fld>
             <a:endParaRPr lang="en-GB"/>
           </a:p>
@@ -6364,7 +6367,7 @@
           <a:p>
             <a:fld id="{2E3F47AE-4804-4655-8D11-C2BEE1A314EC}" type="datetimeFigureOut">
               <a:rPr lang="en-GB" smtClean="0"/>
-              <a:t>12/12/2021</a:t>
+              <a:t>14/12/2021</a:t>
             </a:fld>
             <a:endParaRPr lang="en-GB"/>
           </a:p>
@@ -6655,7 +6658,7 @@
           <a:p>
             <a:fld id="{2E3F47AE-4804-4655-8D11-C2BEE1A314EC}" type="datetimeFigureOut">
               <a:rPr lang="en-GB" smtClean="0"/>
-              <a:t>12/12/2021</a:t>
+              <a:t>14/12/2021</a:t>
             </a:fld>
             <a:endParaRPr lang="en-GB"/>
           </a:p>
@@ -7185,7 +7188,7 @@
           <a:p>
             <a:fld id="{2E3F47AE-4804-4655-8D11-C2BEE1A314EC}" type="datetimeFigureOut">
               <a:rPr lang="en-GB" smtClean="0"/>
-              <a:t>12/12/2021</a:t>
+              <a:t>14/12/2021</a:t>
             </a:fld>
             <a:endParaRPr lang="en-GB"/>
           </a:p>
@@ -8170,7 +8173,7 @@
             </a:pPr>
             <a:r>
               <a:rPr lang="en-US" dirty="0"/>
-              <a:t>I wanted to develop a Mobile Application and upload it to the Google Store and maybe Apple App Store.</a:t>
+              <a:t>Upload App to the Google Store and maybe Apple App Store.</a:t>
             </a:r>
           </a:p>
           <a:p>
@@ -8180,7 +8183,7 @@
             </a:pPr>
             <a:r>
               <a:rPr lang="en-US" dirty="0"/>
-              <a:t>Security features such as PIN.</a:t>
+              <a:t>Security features such as PIN, Fingerprint and hopefully Google Two-Factor Authentication.</a:t>
             </a:r>
           </a:p>
           <a:p>
@@ -8200,13 +8203,8 @@
             </a:pPr>
             <a:r>
               <a:rPr lang="en-US" dirty="0"/>
-              <a:t>Great design of the </a:t>
+              <a:t>Good design of the application.</a:t>
             </a:r>
-            <a:r>
-              <a:rPr lang="en-US"/>
-              <a:t>application.</a:t>
-            </a:r>
-            <a:endParaRPr lang="en-US" dirty="0"/>
           </a:p>
         </p:txBody>
       </p:sp>
@@ -8693,9 +8691,14 @@
           <a:p>
             <a:pPr algn="ctr"/>
             <a:r>
-              <a:rPr lang="en-US" sz="4000" dirty="0"/>
+              <a:rPr lang="en-GB" sz="4000" dirty="0">
+                <a:solidFill>
+                  <a:srgbClr val="C00000"/>
+                </a:solidFill>
+              </a:rPr>
               <a:t>Technologies &amp; System Architecture</a:t>
             </a:r>
+            <a:endParaRPr lang="en-US" sz="4000" dirty="0"/>
           </a:p>
         </p:txBody>
       </p:sp>
@@ -9225,6 +9228,27 @@
 <file path=ppt/slides/slide4.xml><?xml version="1.0" encoding="utf-8"?>
 <p:sld xmlns:a="http://schemas.openxmlformats.org/drawingml/2006/main" xmlns:r="http://schemas.openxmlformats.org/officeDocument/2006/relationships" xmlns:p="http://schemas.openxmlformats.org/presentationml/2006/main">
   <p:cSld>
+    <p:bg>
+      <p:bgPr>
+        <a:blipFill rotWithShape="1">
+          <a:blip r:embed="rId2">
+            <a:duotone>
+              <a:schemeClr val="bg2">
+                <a:shade val="76000"/>
+                <a:satMod val="180000"/>
+              </a:schemeClr>
+              <a:schemeClr val="bg2">
+                <a:tint val="80000"/>
+                <a:satMod val="120000"/>
+                <a:lumMod val="180000"/>
+              </a:schemeClr>
+            </a:duotone>
+          </a:blip>
+          <a:stretch/>
+        </a:blipFill>
+        <a:effectLst/>
+      </p:bgPr>
+    </p:bg>
     <p:spTree>
       <p:nvGrpSpPr>
         <p:cNvPr id="1" name=""/>
@@ -9251,102 +9275,247 @@
         </p:nvSpPr>
         <p:spPr>
           <a:xfrm>
-            <a:off x="2928401" y="1380069"/>
-            <a:ext cx="8574622" cy="788974"/>
+            <a:off x="3967843" y="4690533"/>
+            <a:ext cx="7535180" cy="770472"/>
           </a:xfrm>
         </p:spPr>
         <p:txBody>
           <a:bodyPr>
-            <a:normAutofit fontScale="90000"/>
+            <a:normAutofit/>
           </a:bodyPr>
           <a:lstStyle/>
           <a:p>
+            <a:pPr>
+              <a:lnSpc>
+                <a:spcPct val="90000"/>
+              </a:lnSpc>
+            </a:pPr>
             <a:r>
-              <a:rPr lang="en-GB" dirty="0">
+              <a:rPr lang="en-GB" sz="4800" dirty="0">
                 <a:solidFill>
                   <a:srgbClr val="C00000"/>
                 </a:solidFill>
               </a:rPr>
-              <a:t>Development &amp; Deployment </a:t>
+              <a:t>Development &amp; Deployment</a:t>
             </a:r>
-          </a:p>
-        </p:txBody>
-      </p:sp>
-      <p:sp>
-        <p:nvSpPr>
-          <p:cNvPr id="3" name="Subtitle 2"/>
-          <p:cNvSpPr>
-            <a:spLocks noGrp="1"/>
-          </p:cNvSpPr>
-          <p:nvPr>
-            <p:ph type="subTitle" idx="1"/>
+            <a:endParaRPr lang="en-GB" sz="4800" dirty="0"/>
+          </a:p>
+        </p:txBody>
+      </p:sp>
+      <p:sp>
+        <p:nvSpPr>
+          <p:cNvPr id="20" name="Rounded Rectangle 9">
+            <a:extLst>
+              <a:ext uri="{FF2B5EF4-FFF2-40B4-BE49-F238E27FC236}">
+                <a16:creationId xmlns:a16="http://schemas.microsoft.com/office/drawing/2014/main" id="{E12A8411-9285-4D5A-BB78-D3B966A16701}"/>
+              </a:ext>
+              <a:ext uri="{C183D7F6-B498-43B3-948B-1728B52AA6E4}">
+                <adec:decorative xmlns:adec="http://schemas.microsoft.com/office/drawing/2017/decorative" val="1"/>
+              </a:ext>
+            </a:extLst>
+          </p:cNvPr>
+          <p:cNvSpPr>
+            <a:spLocks noGrp="1" noRot="1" noChangeAspect="1" noMove="1" noResize="1" noEditPoints="1" noAdjustHandles="1" noChangeArrowheads="1" noChangeShapeType="1" noTextEdit="1"/>
+          </p:cNvSpPr>
+          <p:nvPr>
+            <p:extLst>
+              <p:ext uri="{386F3935-93C4-4BCD-93E2-E3B085C9AB24}">
+                <p16:designElem xmlns:p16="http://schemas.microsoft.com/office/powerpoint/2015/main" val="1"/>
+              </p:ext>
+            </p:extLst>
           </p:nvPr>
         </p:nvSpPr>
         <p:spPr>
           <a:xfrm>
-            <a:off x="3763927" y="2371060"/>
-            <a:ext cx="7739096" cy="3013741"/>
+            <a:off x="3718560" y="609600"/>
+            <a:ext cx="7833360" cy="3633216"/>
           </a:xfrm>
+          <a:prstGeom prst="roundRect">
+            <a:avLst>
+              <a:gd name="adj" fmla="val 4834"/>
+            </a:avLst>
+          </a:prstGeom>
+          <a:solidFill>
+            <a:schemeClr val="bg1"/>
+          </a:solidFill>
+          <a:ln w="38100">
+            <a:gradFill flip="none" rotWithShape="1">
+              <a:gsLst>
+                <a:gs pos="0">
+                  <a:schemeClr val="bg2"/>
+                </a:gs>
+                <a:gs pos="100000">
+                  <a:schemeClr val="bg2">
+                    <a:lumMod val="75000"/>
+                  </a:schemeClr>
+                </a:gs>
+              </a:gsLst>
+              <a:lin ang="5400000" scaled="0"/>
+              <a:tileRect/>
+            </a:gradFill>
+          </a:ln>
+          <a:effectLst>
+            <a:innerShdw blurRad="57150" dist="38100" dir="14460000">
+              <a:srgbClr val="000000">
+                <a:alpha val="70000"/>
+              </a:srgbClr>
+            </a:innerShdw>
+          </a:effectLst>
         </p:spPr>
-        <p:txBody>
-          <a:bodyPr>
-            <a:normAutofit lnSpcReduction="10000"/>
-          </a:bodyPr>
+        <p:style>
+          <a:lnRef idx="2">
+            <a:schemeClr val="accent1">
+              <a:shade val="50000"/>
+            </a:schemeClr>
+          </a:lnRef>
+          <a:fillRef idx="1">
+            <a:schemeClr val="accent1"/>
+          </a:fillRef>
+          <a:effectRef idx="0">
+            <a:schemeClr val="accent1"/>
+          </a:effectRef>
+          <a:fontRef idx="minor">
+            <a:schemeClr val="lt1"/>
+          </a:fontRef>
+        </p:style>
+        <p:txBody>
+          <a:bodyPr rtlCol="0" anchor="ctr"/>
           <a:lstStyle/>
           <a:p>
-            <a:pPr algn="l"/>
-            <a:r>
-              <a:rPr lang="en-US" dirty="0"/>
-              <a:t>List any objectives that have already been implemented.</a:t>
-            </a:r>
-          </a:p>
-          <a:p>
-            <a:pPr marL="342900" indent="-342900" algn="l">
-              <a:buFont typeface="Arial" panose="020B0604020202020204" pitchFamily="34" charset="0"/>
-              <a:buChar char="•"/>
-            </a:pPr>
-            <a:r>
-              <a:rPr lang="en-US" dirty="0"/>
-              <a:t>Show a screen grab of your project working and its GitHub repo and commit history.</a:t>
-            </a:r>
-          </a:p>
-          <a:p>
-            <a:pPr marL="342900" indent="-342900" algn="l">
-              <a:buFont typeface="Arial" panose="020B0604020202020204" pitchFamily="34" charset="0"/>
-              <a:buChar char="•"/>
-            </a:pPr>
-            <a:r>
-              <a:rPr lang="en-US" dirty="0"/>
-              <a:t>Give a 1-minute live demo or a 1-minute video of skeleton application in its deployed environment, e.g. Amazon, JVM, Unity.</a:t>
-            </a:r>
-          </a:p>
-          <a:p>
-            <a:pPr marL="342900" indent="-342900" algn="l">
-              <a:buFont typeface="Arial" panose="020B0604020202020204" pitchFamily="34" charset="0"/>
-              <a:buChar char="•"/>
-            </a:pPr>
-            <a:r>
-              <a:rPr lang="en-US" dirty="0"/>
-              <a:t>Group projects should show who worked on, is working on, will work on what...</a:t>
-            </a:r>
-          </a:p>
-          <a:p>
-            <a:pPr marL="342900" indent="-342900" algn="l">
-              <a:buFont typeface="Arial" panose="020B0604020202020204" pitchFamily="34" charset="0"/>
-              <a:buChar char="•"/>
-            </a:pPr>
-            <a:endParaRPr lang="en-US" dirty="0"/>
-          </a:p>
-          <a:p>
-            <a:pPr algn="l"/>
-            <a:endParaRPr lang="en-US" dirty="0"/>
-          </a:p>
-          <a:p>
-            <a:pPr algn="l"/>
-            <a:endParaRPr lang="en-GB" dirty="0"/>
-          </a:p>
-        </p:txBody>
-      </p:sp>
+            <a:pPr algn="ctr"/>
+            <a:endParaRPr lang="en-US"/>
+          </a:p>
+        </p:txBody>
+      </p:sp>
+      <p:pic>
+        <p:nvPicPr>
+          <p:cNvPr id="10" name="Picture 9" descr="Graphical user interface, text&#10;&#10;Description automatically generated">
+            <a:extLst>
+              <a:ext uri="{FF2B5EF4-FFF2-40B4-BE49-F238E27FC236}">
+                <a16:creationId xmlns:a16="http://schemas.microsoft.com/office/drawing/2014/main" id="{64EC2060-02EE-45C8-A147-3F4E94AED92E}"/>
+              </a:ext>
+            </a:extLst>
+          </p:cNvPr>
+          <p:cNvPicPr>
+            <a:picLocks noChangeAspect="1"/>
+          </p:cNvPicPr>
+          <p:nvPr/>
+        </p:nvPicPr>
+        <p:blipFill>
+          <a:blip r:embed="rId3"/>
+          <a:stretch>
+            <a:fillRect/>
+          </a:stretch>
+        </p:blipFill>
+        <p:spPr>
+          <a:xfrm>
+            <a:off x="4045131" y="975361"/>
+            <a:ext cx="1950730" cy="2947416"/>
+          </a:xfrm>
+          <a:prstGeom prst="rect">
+            <a:avLst/>
+          </a:prstGeom>
+        </p:spPr>
+      </p:pic>
+      <p:pic>
+        <p:nvPicPr>
+          <p:cNvPr id="11" name="Picture 10" descr="Text&#10;&#10;Description automatically generated">
+            <a:extLst>
+              <a:ext uri="{FF2B5EF4-FFF2-40B4-BE49-F238E27FC236}">
+                <a16:creationId xmlns:a16="http://schemas.microsoft.com/office/drawing/2014/main" id="{7C7E07CB-CB03-43FD-A092-B1E84E39C7B8}"/>
+              </a:ext>
+            </a:extLst>
+          </p:cNvPr>
+          <p:cNvPicPr>
+            <a:picLocks noChangeAspect="1"/>
+          </p:cNvPicPr>
+          <p:nvPr/>
+        </p:nvPicPr>
+        <p:blipFill>
+          <a:blip r:embed="rId4"/>
+          <a:stretch>
+            <a:fillRect/>
+          </a:stretch>
+        </p:blipFill>
+        <p:spPr>
+          <a:xfrm>
+            <a:off x="6326405" y="975360"/>
+            <a:ext cx="1879766" cy="2947416"/>
+          </a:xfrm>
+          <a:prstGeom prst="rect">
+            <a:avLst/>
+          </a:prstGeom>
+          <a:ln w="53975">
+            <a:noFill/>
+          </a:ln>
+        </p:spPr>
+      </p:pic>
+      <p:pic>
+        <p:nvPicPr>
+          <p:cNvPr id="15" name="Picture 14" descr="Graphical user interface, application&#10;&#10;Description automatically generated">
+            <a:extLst>
+              <a:ext uri="{FF2B5EF4-FFF2-40B4-BE49-F238E27FC236}">
+                <a16:creationId xmlns:a16="http://schemas.microsoft.com/office/drawing/2014/main" id="{36058AE9-0AFB-41B3-BE03-CFCBF1156797}"/>
+              </a:ext>
+            </a:extLst>
+          </p:cNvPr>
+          <p:cNvPicPr>
+            <a:picLocks noChangeAspect="1"/>
+          </p:cNvPicPr>
+          <p:nvPr/>
+        </p:nvPicPr>
+        <p:blipFill>
+          <a:blip r:embed="rId5"/>
+          <a:stretch>
+            <a:fillRect/>
+          </a:stretch>
+        </p:blipFill>
+        <p:spPr>
+          <a:xfrm>
+            <a:off x="8328488" y="975360"/>
+            <a:ext cx="1385285" cy="2947416"/>
+          </a:xfrm>
+          <a:prstGeom prst="rect">
+            <a:avLst/>
+          </a:prstGeom>
+          <a:ln w="53975">
+            <a:noFill/>
+          </a:ln>
+        </p:spPr>
+      </p:pic>
+      <p:pic>
+        <p:nvPicPr>
+          <p:cNvPr id="13" name="Picture 12" descr="Graphical user interface, application&#10;&#10;Description automatically generated with medium confidence">
+            <a:extLst>
+              <a:ext uri="{FF2B5EF4-FFF2-40B4-BE49-F238E27FC236}">
+                <a16:creationId xmlns:a16="http://schemas.microsoft.com/office/drawing/2014/main" id="{336C5D62-2334-4B8D-A150-1DC9EFF5A2B0}"/>
+              </a:ext>
+            </a:extLst>
+          </p:cNvPr>
+          <p:cNvPicPr>
+            <a:picLocks noChangeAspect="1"/>
+          </p:cNvPicPr>
+          <p:nvPr/>
+        </p:nvPicPr>
+        <p:blipFill>
+          <a:blip r:embed="rId6"/>
+          <a:stretch>
+            <a:fillRect/>
+          </a:stretch>
+        </p:blipFill>
+        <p:spPr>
+          <a:xfrm>
+            <a:off x="9836090" y="975360"/>
+            <a:ext cx="1385286" cy="2947415"/>
+          </a:xfrm>
+          <a:prstGeom prst="rect">
+            <a:avLst/>
+          </a:prstGeom>
+          <a:ln w="53975">
+            <a:noFill/>
+          </a:ln>
+        </p:spPr>
+      </p:pic>
     </p:spTree>
     <p:extLst>
       <p:ext uri="{BB962C8B-B14F-4D97-AF65-F5344CB8AC3E}">
@@ -9967,7 +10136,7 @@
           <p:nvPr>
             <p:extLst>
               <p:ext uri="{D42A27DB-BD31-4B8C-83A1-F6EECF244321}">
-                <p14:modId xmlns:p14="http://schemas.microsoft.com/office/powerpoint/2010/main" val="3702426391"/>
+                <p14:modId xmlns:p14="http://schemas.microsoft.com/office/powerpoint/2010/main" val="1410587684"/>
               </p:ext>
             </p:extLst>
           </p:nvPr>

--- a/Documents/Semester 1 Presentation.pptx
+++ b/Documents/Semester 1 Presentation.pptx
@@ -989,9 +989,9 @@
             <c:numRef>
               <c:f>Sheet1!$F$2:$F$6</c:f>
               <c:numCache>
-                <c:formatCode>mmm\-yy</c:formatCode>
+                <c:formatCode>General</c:formatCode>
                 <c:ptCount val="5"/>
-                <c:pt idx="4">
+                <c:pt idx="4" formatCode="mmm\-yy">
                   <c:v>44652</c:v>
                 </c:pt>
               </c:numCache>
@@ -8117,7 +8117,7 @@
         </p:nvSpPr>
         <p:spPr>
           <a:xfrm>
-            <a:off x="2928401" y="1380069"/>
+            <a:off x="2928400" y="280784"/>
             <a:ext cx="8574622" cy="788974"/>
           </a:xfrm>
         </p:spPr>
@@ -8150,8 +8150,8 @@
         </p:nvSpPr>
         <p:spPr>
           <a:xfrm>
-            <a:off x="3763927" y="2371060"/>
-            <a:ext cx="7739096" cy="3013741"/>
+            <a:off x="4083727" y="1136343"/>
+            <a:ext cx="7419295" cy="4687408"/>
           </a:xfrm>
         </p:spPr>
         <p:txBody>
@@ -8163,7 +8163,7 @@
             <a:pPr algn="l"/>
             <a:r>
               <a:rPr lang="en-US" dirty="0"/>
-              <a:t>Developing a timetable Mobile Application. With additional security features.</a:t>
+              <a:t>Developing a functional Timetable Mobile Application.</a:t>
             </a:r>
           </a:p>
           <a:p>
@@ -8173,7 +8173,7 @@
             </a:pPr>
             <a:r>
               <a:rPr lang="en-US" dirty="0"/>
-              <a:t>Upload App to the Google Store and maybe Apple App Store.</a:t>
+              <a:t>Add, Delete, Edit classes.</a:t>
             </a:r>
           </a:p>
           <a:p>
@@ -8183,7 +8183,7 @@
             </a:pPr>
             <a:r>
               <a:rPr lang="en-US" dirty="0"/>
-              <a:t>Security features such as PIN, Fingerprint and hopefully Google Two-Factor Authentication.</a:t>
+              <a:t>Dark mode.</a:t>
             </a:r>
           </a:p>
           <a:p>
@@ -8193,7 +8193,7 @@
             </a:pPr>
             <a:r>
               <a:rPr lang="en-US" dirty="0"/>
-              <a:t>Develop an easy-to-use application.</a:t>
+              <a:t>Upload App to the Google Store and Apple App Store.</a:t>
             </a:r>
           </a:p>
           <a:p>
@@ -8203,7 +8203,47 @@
             </a:pPr>
             <a:r>
               <a:rPr lang="en-US" dirty="0"/>
-              <a:t>Good design of the application.</a:t>
+              <a:t>Security of email, password and Google Two-Factor Authentication.</a:t>
+            </a:r>
+          </a:p>
+          <a:p>
+            <a:pPr marL="342900" indent="-342900" algn="l">
+              <a:buFont typeface="Arial" panose="020B0604020202020204" pitchFamily="34" charset="0"/>
+              <a:buChar char="•"/>
+            </a:pPr>
+            <a:r>
+              <a:rPr lang="en-US" dirty="0"/>
+              <a:t>Easy to use.</a:t>
+            </a:r>
+          </a:p>
+          <a:p>
+            <a:pPr marL="342900" indent="-342900" algn="l">
+              <a:buFont typeface="Arial" panose="020B0604020202020204" pitchFamily="34" charset="0"/>
+              <a:buChar char="•"/>
+            </a:pPr>
+            <a:r>
+              <a:rPr lang="en-US" dirty="0"/>
+              <a:t>Good design.</a:t>
+            </a:r>
+          </a:p>
+          <a:p>
+            <a:pPr marL="342900" indent="-342900" algn="l">
+              <a:buFont typeface="Arial" panose="020B0604020202020204" pitchFamily="34" charset="0"/>
+              <a:buChar char="•"/>
+            </a:pPr>
+            <a:r>
+              <a:rPr lang="en-US" dirty="0"/>
+              <a:t>Merging Data on loss of Internet Connection.</a:t>
+            </a:r>
+          </a:p>
+          <a:p>
+            <a:pPr marL="342900" indent="-342900" algn="l">
+              <a:buFont typeface="Arial" panose="020B0604020202020204" pitchFamily="34" charset="0"/>
+              <a:buChar char="•"/>
+            </a:pPr>
+            <a:r>
+              <a:rPr lang="en-US" dirty="0"/>
+              <a:t>Forgotten Password Functionality.</a:t>
             </a:r>
           </a:p>
         </p:txBody>
@@ -9409,12 +9449,24 @@
         </p:blipFill>
         <p:spPr>
           <a:xfrm>
-            <a:off x="4045131" y="975361"/>
-            <a:ext cx="1950730" cy="2947416"/>
+            <a:off x="233464" y="205421"/>
+            <a:ext cx="3235066" cy="3121438"/>
           </a:xfrm>
           <a:prstGeom prst="rect">
             <a:avLst/>
           </a:prstGeom>
+          <a:ln w="88900" cap="sq" cmpd="thickThin">
+            <a:solidFill>
+              <a:srgbClr val="000000"/>
+            </a:solidFill>
+            <a:prstDash val="solid"/>
+            <a:miter lim="800000"/>
+          </a:ln>
+          <a:effectLst>
+            <a:innerShdw blurRad="76200">
+              <a:srgbClr val="000000"/>
+            </a:innerShdw>
+          </a:effectLst>
         </p:spPr>
       </p:pic>
       <p:pic>
@@ -9439,15 +9491,24 @@
         </p:blipFill>
         <p:spPr>
           <a:xfrm>
-            <a:off x="6326405" y="975360"/>
-            <a:ext cx="1879766" cy="2947416"/>
+            <a:off x="233464" y="3531141"/>
+            <a:ext cx="3235066" cy="3121438"/>
           </a:xfrm>
           <a:prstGeom prst="rect">
             <a:avLst/>
           </a:prstGeom>
-          <a:ln w="53975">
-            <a:noFill/>
+          <a:ln w="88900" cap="sq" cmpd="thickThin">
+            <a:solidFill>
+              <a:srgbClr val="000000"/>
+            </a:solidFill>
+            <a:prstDash val="solid"/>
+            <a:miter lim="800000"/>
           </a:ln>
+          <a:effectLst>
+            <a:innerShdw blurRad="76200">
+              <a:srgbClr val="000000"/>
+            </a:innerShdw>
+          </a:effectLst>
         </p:spPr>
       </p:pic>
       <p:pic>
@@ -9472,7 +9533,7 @@
         </p:blipFill>
         <p:spPr>
           <a:xfrm>
-            <a:off x="8328488" y="975360"/>
+            <a:off x="8199184" y="975360"/>
             <a:ext cx="1385285" cy="2947416"/>
           </a:xfrm>
           <a:prstGeom prst="rect">
@@ -9505,7 +9566,7 @@
         </p:blipFill>
         <p:spPr>
           <a:xfrm>
-            <a:off x="9836090" y="975360"/>
+            <a:off x="9916604" y="975360"/>
             <a:ext cx="1385286" cy="2947415"/>
           </a:xfrm>
           <a:prstGeom prst="rect">
@@ -9514,6 +9575,78 @@
           <a:ln w="53975">
             <a:noFill/>
           </a:ln>
+        </p:spPr>
+      </p:pic>
+      <p:pic>
+        <p:nvPicPr>
+          <p:cNvPr id="4" name="Picture 3" descr="Graphical user interface, application&#10;&#10;Description automatically generated">
+            <a:extLst>
+              <a:ext uri="{FF2B5EF4-FFF2-40B4-BE49-F238E27FC236}">
+                <a16:creationId xmlns:a16="http://schemas.microsoft.com/office/drawing/2014/main" id="{5CEA2555-8DDA-4F66-8E4F-5750D62ABC52}"/>
+              </a:ext>
+            </a:extLst>
+          </p:cNvPr>
+          <p:cNvPicPr>
+            <a:picLocks noChangeAspect="1"/>
+          </p:cNvPicPr>
+          <p:nvPr/>
+        </p:nvPicPr>
+        <p:blipFill>
+          <a:blip r:embed="rId7">
+            <a:extLst>
+              <a:ext uri="{28A0092B-C50C-407E-A947-70E740481C1C}">
+                <a14:useLocalDpi xmlns:a14="http://schemas.microsoft.com/office/drawing/2010/main" val="0"/>
+              </a:ext>
+            </a:extLst>
+          </a:blip>
+          <a:stretch>
+            <a:fillRect/>
+          </a:stretch>
+        </p:blipFill>
+        <p:spPr>
+          <a:xfrm>
+            <a:off x="4050695" y="975360"/>
+            <a:ext cx="1385285" cy="2947415"/>
+          </a:xfrm>
+          <a:prstGeom prst="rect">
+            <a:avLst/>
+          </a:prstGeom>
+        </p:spPr>
+      </p:pic>
+      <p:pic>
+        <p:nvPicPr>
+          <p:cNvPr id="6" name="Picture 5" descr="Graphical user interface, application&#10;&#10;Description automatically generated">
+            <a:extLst>
+              <a:ext uri="{FF2B5EF4-FFF2-40B4-BE49-F238E27FC236}">
+                <a16:creationId xmlns:a16="http://schemas.microsoft.com/office/drawing/2014/main" id="{59A8E94A-AB00-4AC2-9AD3-5057EBD78101}"/>
+              </a:ext>
+            </a:extLst>
+          </p:cNvPr>
+          <p:cNvPicPr>
+            <a:picLocks noChangeAspect="1"/>
+          </p:cNvPicPr>
+          <p:nvPr/>
+        </p:nvPicPr>
+        <p:blipFill>
+          <a:blip r:embed="rId8">
+            <a:extLst>
+              <a:ext uri="{28A0092B-C50C-407E-A947-70E740481C1C}">
+                <a14:useLocalDpi xmlns:a14="http://schemas.microsoft.com/office/drawing/2010/main" val="0"/>
+              </a:ext>
+            </a:extLst>
+          </a:blip>
+          <a:stretch>
+            <a:fillRect/>
+          </a:stretch>
+        </p:blipFill>
+        <p:spPr>
+          <a:xfrm>
+            <a:off x="6065131" y="975360"/>
+            <a:ext cx="1504902" cy="2947415"/>
+          </a:xfrm>
+          <a:prstGeom prst="rect">
+            <a:avLst/>
+          </a:prstGeom>
         </p:spPr>
       </p:pic>
     </p:spTree>

--- a/Documents/Semester 1 Presentation.pptx
+++ b/Documents/Semester 1 Presentation.pptx
@@ -989,9 +989,12 @@
             <c:numRef>
               <c:f>Sheet1!$F$2:$F$6</c:f>
               <c:numCache>
-                <c:formatCode>General</c:formatCode>
+                <c:formatCode>mmm\-yy</c:formatCode>
                 <c:ptCount val="5"/>
-                <c:pt idx="4" formatCode="mmm\-yy">
+                <c:pt idx="3">
+                  <c:v>44652</c:v>
+                </c:pt>
+                <c:pt idx="4">
                   <c:v>44652</c:v>
                 </c:pt>
               </c:numCache>
@@ -2196,7 +2199,7 @@
           <a:p>
             <a:fld id="{2E3F47AE-4804-4655-8D11-C2BEE1A314EC}" type="datetimeFigureOut">
               <a:rPr lang="en-GB" smtClean="0"/>
-              <a:t>14/12/2021</a:t>
+              <a:t>15/12/2021</a:t>
             </a:fld>
             <a:endParaRPr lang="en-GB"/>
           </a:p>
@@ -2492,7 +2495,7 @@
           <a:p>
             <a:fld id="{2E3F47AE-4804-4655-8D11-C2BEE1A314EC}" type="datetimeFigureOut">
               <a:rPr lang="en-GB" smtClean="0"/>
-              <a:t>14/12/2021</a:t>
+              <a:t>15/12/2021</a:t>
             </a:fld>
             <a:endParaRPr lang="en-GB"/>
           </a:p>
@@ -2740,7 +2743,7 @@
           <a:p>
             <a:fld id="{2E3F47AE-4804-4655-8D11-C2BEE1A314EC}" type="datetimeFigureOut">
               <a:rPr lang="en-GB" smtClean="0"/>
-              <a:t>14/12/2021</a:t>
+              <a:t>15/12/2021</a:t>
             </a:fld>
             <a:endParaRPr lang="en-GB"/>
           </a:p>
@@ -3280,7 +3283,7 @@
           <a:p>
             <a:fld id="{2E3F47AE-4804-4655-8D11-C2BEE1A314EC}" type="datetimeFigureOut">
               <a:rPr lang="en-GB" smtClean="0"/>
-              <a:t>14/12/2021</a:t>
+              <a:t>15/12/2021</a:t>
             </a:fld>
             <a:endParaRPr lang="en-GB"/>
           </a:p>
@@ -3528,7 +3531,7 @@
           <a:p>
             <a:fld id="{2E3F47AE-4804-4655-8D11-C2BEE1A314EC}" type="datetimeFigureOut">
               <a:rPr lang="en-GB" smtClean="0"/>
-              <a:t>14/12/2021</a:t>
+              <a:t>15/12/2021</a:t>
             </a:fld>
             <a:endParaRPr lang="en-GB"/>
           </a:p>
@@ -4060,7 +4063,7 @@
           <a:p>
             <a:fld id="{2E3F47AE-4804-4655-8D11-C2BEE1A314EC}" type="datetimeFigureOut">
               <a:rPr lang="en-GB" smtClean="0"/>
-              <a:t>14/12/2021</a:t>
+              <a:t>15/12/2021</a:t>
             </a:fld>
             <a:endParaRPr lang="en-GB"/>
           </a:p>
@@ -4357,7 +4360,7 @@
           <a:p>
             <a:fld id="{2E3F47AE-4804-4655-8D11-C2BEE1A314EC}" type="datetimeFigureOut">
               <a:rPr lang="en-GB" smtClean="0"/>
-              <a:t>14/12/2021</a:t>
+              <a:t>15/12/2021</a:t>
             </a:fld>
             <a:endParaRPr lang="en-GB"/>
           </a:p>
@@ -4531,7 +4534,7 @@
           <a:p>
             <a:fld id="{2E3F47AE-4804-4655-8D11-C2BEE1A314EC}" type="datetimeFigureOut">
               <a:rPr lang="en-GB" smtClean="0"/>
-              <a:t>14/12/2021</a:t>
+              <a:t>15/12/2021</a:t>
             </a:fld>
             <a:endParaRPr lang="en-GB"/>
           </a:p>
@@ -4711,7 +4714,7 @@
           <a:p>
             <a:fld id="{2E3F47AE-4804-4655-8D11-C2BEE1A314EC}" type="datetimeFigureOut">
               <a:rPr lang="en-GB" smtClean="0"/>
-              <a:t>14/12/2021</a:t>
+              <a:t>15/12/2021</a:t>
             </a:fld>
             <a:endParaRPr lang="en-GB"/>
           </a:p>
@@ -4881,7 +4884,7 @@
           <a:p>
             <a:fld id="{2E3F47AE-4804-4655-8D11-C2BEE1A314EC}" type="datetimeFigureOut">
               <a:rPr lang="en-GB" smtClean="0"/>
-              <a:t>14/12/2021</a:t>
+              <a:t>15/12/2021</a:t>
             </a:fld>
             <a:endParaRPr lang="en-GB"/>
           </a:p>
@@ -5132,7 +5135,7 @@
           <a:p>
             <a:fld id="{2E3F47AE-4804-4655-8D11-C2BEE1A314EC}" type="datetimeFigureOut">
               <a:rPr lang="en-GB" smtClean="0"/>
-              <a:t>14/12/2021</a:t>
+              <a:t>15/12/2021</a:t>
             </a:fld>
             <a:endParaRPr lang="en-GB"/>
           </a:p>
@@ -5429,7 +5432,7 @@
           <a:p>
             <a:fld id="{2E3F47AE-4804-4655-8D11-C2BEE1A314EC}" type="datetimeFigureOut">
               <a:rPr lang="en-GB" smtClean="0"/>
-              <a:t>14/12/2021</a:t>
+              <a:t>15/12/2021</a:t>
             </a:fld>
             <a:endParaRPr lang="en-GB"/>
           </a:p>
@@ -5871,7 +5874,7 @@
           <a:p>
             <a:fld id="{2E3F47AE-4804-4655-8D11-C2BEE1A314EC}" type="datetimeFigureOut">
               <a:rPr lang="en-GB" smtClean="0"/>
-              <a:t>14/12/2021</a:t>
+              <a:t>15/12/2021</a:t>
             </a:fld>
             <a:endParaRPr lang="en-GB"/>
           </a:p>
@@ -5989,7 +5992,7 @@
           <a:p>
             <a:fld id="{2E3F47AE-4804-4655-8D11-C2BEE1A314EC}" type="datetimeFigureOut">
               <a:rPr lang="en-GB" smtClean="0"/>
-              <a:t>14/12/2021</a:t>
+              <a:t>15/12/2021</a:t>
             </a:fld>
             <a:endParaRPr lang="en-GB"/>
           </a:p>
@@ -6084,7 +6087,7 @@
           <a:p>
             <a:fld id="{2E3F47AE-4804-4655-8D11-C2BEE1A314EC}" type="datetimeFigureOut">
               <a:rPr lang="en-GB" smtClean="0"/>
-              <a:t>14/12/2021</a:t>
+              <a:t>15/12/2021</a:t>
             </a:fld>
             <a:endParaRPr lang="en-GB"/>
           </a:p>
@@ -6367,7 +6370,7 @@
           <a:p>
             <a:fld id="{2E3F47AE-4804-4655-8D11-C2BEE1A314EC}" type="datetimeFigureOut">
               <a:rPr lang="en-GB" smtClean="0"/>
-              <a:t>14/12/2021</a:t>
+              <a:t>15/12/2021</a:t>
             </a:fld>
             <a:endParaRPr lang="en-GB"/>
           </a:p>
@@ -6658,7 +6661,7 @@
           <a:p>
             <a:fld id="{2E3F47AE-4804-4655-8D11-C2BEE1A314EC}" type="datetimeFigureOut">
               <a:rPr lang="en-GB" smtClean="0"/>
-              <a:t>14/12/2021</a:t>
+              <a:t>15/12/2021</a:t>
             </a:fld>
             <a:endParaRPr lang="en-GB"/>
           </a:p>
@@ -7188,7 +7191,7 @@
           <a:p>
             <a:fld id="{2E3F47AE-4804-4655-8D11-C2BEE1A314EC}" type="datetimeFigureOut">
               <a:rPr lang="en-GB" smtClean="0"/>
-              <a:t>14/12/2021</a:t>
+              <a:t>15/12/2021</a:t>
             </a:fld>
             <a:endParaRPr lang="en-GB"/>
           </a:p>
@@ -10269,7 +10272,7 @@
           <p:nvPr>
             <p:extLst>
               <p:ext uri="{D42A27DB-BD31-4B8C-83A1-F6EECF244321}">
-                <p14:modId xmlns:p14="http://schemas.microsoft.com/office/powerpoint/2010/main" val="1410587684"/>
+                <p14:modId xmlns:p14="http://schemas.microsoft.com/office/powerpoint/2010/main" val="1939898602"/>
               </p:ext>
             </p:extLst>
           </p:nvPr>
